--- a/demo/vue-demo/Vue 学习培训.pptx
+++ b/demo/vue-demo/Vue 学习培训.pptx
@@ -5,7 +5,7 @@
     <p:sldMasterId id="2147483648" r:id="rId1"/>
   </p:sldMasterIdLst>
   <p:notesMasterIdLst>
-    <p:notesMasterId r:id="rId9"/>
+    <p:notesMasterId r:id="rId11"/>
   </p:notesMasterIdLst>
   <p:sldIdLst>
     <p:sldId id="284" r:id="rId2"/>
@@ -14,7 +14,9 @@
     <p:sldId id="285" r:id="rId5"/>
     <p:sldId id="286" r:id="rId6"/>
     <p:sldId id="289" r:id="rId7"/>
-    <p:sldId id="288" r:id="rId8"/>
+    <p:sldId id="291" r:id="rId8"/>
+    <p:sldId id="290" r:id="rId9"/>
+    <p:sldId id="288" r:id="rId10"/>
   </p:sldIdLst>
   <p:sldSz cx="12192000" cy="6858000"/>
   <p:notesSz cx="6858000" cy="9144000"/>
@@ -214,7 +216,7 @@
           <a:p>
             <a:fld id="{9E71081C-11B4-47D1-9ECE-42F6D633BA79}" type="datetimeFigureOut">
               <a:rPr lang="zh-CN" altLang="en-US" smtClean="0"/>
-              <a:t>2019/4/24</a:t>
+              <a:t>2019/5/5</a:t>
             </a:fld>
             <a:endParaRPr lang="zh-CN" altLang="en-US"/>
           </a:p>
@@ -694,7 +696,7 @@
           <a:p>
             <a:fld id="{9166FB0D-3649-4659-A4EA-16B622D04D18}" type="datetimeFigureOut">
               <a:rPr lang="zh-CN" altLang="en-US" smtClean="0"/>
-              <a:t>2019/4/24</a:t>
+              <a:t>2019/5/5</a:t>
             </a:fld>
             <a:endParaRPr lang="zh-CN" altLang="en-US"/>
           </a:p>
@@ -862,7 +864,7 @@
           <a:p>
             <a:fld id="{9166FB0D-3649-4659-A4EA-16B622D04D18}" type="datetimeFigureOut">
               <a:rPr lang="zh-CN" altLang="en-US" smtClean="0"/>
-              <a:t>2019/4/24</a:t>
+              <a:t>2019/5/5</a:t>
             </a:fld>
             <a:endParaRPr lang="zh-CN" altLang="en-US"/>
           </a:p>
@@ -1040,7 +1042,7 @@
           <a:p>
             <a:fld id="{9166FB0D-3649-4659-A4EA-16B622D04D18}" type="datetimeFigureOut">
               <a:rPr lang="zh-CN" altLang="en-US" smtClean="0"/>
-              <a:t>2019/4/24</a:t>
+              <a:t>2019/5/5</a:t>
             </a:fld>
             <a:endParaRPr lang="zh-CN" altLang="en-US"/>
           </a:p>
@@ -1208,7 +1210,7 @@
           <a:p>
             <a:fld id="{9166FB0D-3649-4659-A4EA-16B622D04D18}" type="datetimeFigureOut">
               <a:rPr lang="zh-CN" altLang="en-US" smtClean="0"/>
-              <a:t>2019/4/24</a:t>
+              <a:t>2019/5/5</a:t>
             </a:fld>
             <a:endParaRPr lang="zh-CN" altLang="en-US"/>
           </a:p>
@@ -1303,7 +1305,7 @@
           <a:p>
             <a:fld id="{9166FB0D-3649-4659-A4EA-16B622D04D18}" type="datetimeFigureOut">
               <a:rPr lang="zh-CN" altLang="en-US" smtClean="0"/>
-              <a:t>2019/4/24</a:t>
+              <a:t>2019/5/5</a:t>
             </a:fld>
             <a:endParaRPr lang="zh-CN" altLang="en-US"/>
           </a:p>
@@ -1709,7 +1711,7 @@
           <a:p>
             <a:fld id="{9166FB0D-3649-4659-A4EA-16B622D04D18}" type="datetimeFigureOut">
               <a:rPr lang="zh-CN" altLang="en-US" smtClean="0"/>
-              <a:t>2019/4/24</a:t>
+              <a:t>2019/5/5</a:t>
             </a:fld>
             <a:endParaRPr lang="zh-CN" altLang="en-US"/>
           </a:p>
@@ -2073,7 +2075,7 @@
           <a:p>
             <a:fld id="{9166FB0D-3649-4659-A4EA-16B622D04D18}" type="datetimeFigureOut">
               <a:rPr lang="zh-CN" altLang="en-US" smtClean="0"/>
-              <a:t>2019/4/24</a:t>
+              <a:t>2019/5/5</a:t>
             </a:fld>
             <a:endParaRPr lang="zh-CN" altLang="en-US"/>
           </a:p>
@@ -3001,7 +3003,7 @@
           <a:p>
             <a:fld id="{9166FB0D-3649-4659-A4EA-16B622D04D18}" type="datetimeFigureOut">
               <a:rPr lang="zh-CN" altLang="en-US" smtClean="0"/>
-              <a:t>2019/4/24</a:t>
+              <a:t>2019/5/5</a:t>
             </a:fld>
             <a:endParaRPr lang="zh-CN" altLang="en-US"/>
           </a:p>
@@ -3096,7 +3098,7 @@
           <a:p>
             <a:fld id="{9166FB0D-3649-4659-A4EA-16B622D04D18}" type="datetimeFigureOut">
               <a:rPr lang="zh-CN" altLang="en-US" smtClean="0"/>
-              <a:t>2019/4/24</a:t>
+              <a:t>2019/5/5</a:t>
             </a:fld>
             <a:endParaRPr lang="zh-CN" altLang="en-US"/>
           </a:p>
@@ -3371,7 +3373,7 @@
           <a:p>
             <a:fld id="{9166FB0D-3649-4659-A4EA-16B622D04D18}" type="datetimeFigureOut">
               <a:rPr lang="zh-CN" altLang="en-US" smtClean="0"/>
-              <a:t>2019/4/24</a:t>
+              <a:t>2019/5/5</a:t>
             </a:fld>
             <a:endParaRPr lang="zh-CN" altLang="en-US"/>
           </a:p>
@@ -3623,7 +3625,7 @@
           <a:p>
             <a:fld id="{9166FB0D-3649-4659-A4EA-16B622D04D18}" type="datetimeFigureOut">
               <a:rPr lang="zh-CN" altLang="en-US" smtClean="0"/>
-              <a:t>2019/4/24</a:t>
+              <a:t>2019/5/5</a:t>
             </a:fld>
             <a:endParaRPr lang="zh-CN" altLang="en-US"/>
           </a:p>
@@ -3848,7 +3850,7 @@
             <a:fld id="{9166FB0D-3649-4659-A4EA-16B622D04D18}" type="datetimeFigureOut">
               <a:rPr lang="zh-CN" altLang="en-US" smtClean="0"/>
               <a:pPr/>
-              <a:t>2019/4/24</a:t>
+              <a:t>2019/5/5</a:t>
             </a:fld>
             <a:endParaRPr lang="zh-CN" altLang="en-US" dirty="0"/>
           </a:p>
@@ -6414,7 +6416,7 @@
         </p:nvSpPr>
         <p:spPr>
           <a:xfrm>
-            <a:off x="8423020" y="1367271"/>
+            <a:off x="8593409" y="991664"/>
             <a:ext cx="2346557" cy="400110"/>
           </a:xfrm>
           <a:prstGeom prst="rect">
@@ -6467,7 +6469,7 @@
         </p:nvSpPr>
         <p:spPr>
           <a:xfrm>
-            <a:off x="6051870" y="4325462"/>
+            <a:off x="6955497" y="3024390"/>
             <a:ext cx="2346557" cy="400110"/>
           </a:xfrm>
           <a:prstGeom prst="rect">
@@ -6520,7 +6522,7 @@
         </p:nvSpPr>
         <p:spPr>
           <a:xfrm>
-            <a:off x="7056905" y="3042964"/>
+            <a:off x="7892167" y="2008455"/>
             <a:ext cx="2346557" cy="400110"/>
           </a:xfrm>
           <a:prstGeom prst="rect">
@@ -6619,7 +6621,7 @@
         </p:nvGrpSpPr>
         <p:grpSpPr>
           <a:xfrm>
-            <a:off x="4262430" y="3723099"/>
+            <a:off x="5644172" y="2461875"/>
             <a:ext cx="1049510" cy="1073450"/>
             <a:chOff x="4725240" y="3362993"/>
             <a:chExt cx="1049510" cy="1073450"/>
@@ -6846,7 +6848,7 @@
         </p:nvGrpSpPr>
         <p:grpSpPr>
           <a:xfrm>
-            <a:off x="5735705" y="2339564"/>
+            <a:off x="6625998" y="1492491"/>
             <a:ext cx="1073339" cy="1090770"/>
             <a:chOff x="5973659" y="2088249"/>
             <a:chExt cx="1073339" cy="1090770"/>
@@ -7052,10 +7054,10 @@
         </p:nvGrpSpPr>
         <p:grpSpPr>
           <a:xfrm>
-            <a:off x="7221194" y="-621672"/>
-            <a:ext cx="2517008" cy="2538848"/>
-            <a:chOff x="7221194" y="-621672"/>
-            <a:chExt cx="2517008" cy="2538848"/>
+            <a:off x="7606557" y="0"/>
+            <a:ext cx="1549044" cy="1567326"/>
+            <a:chOff x="7221194" y="349850"/>
+            <a:chExt cx="1549044" cy="1567326"/>
           </a:xfrm>
         </p:grpSpPr>
         <p:sp>
@@ -7111,13 +7113,16 @@
         <p:cxnSp>
           <p:nvCxnSpPr>
             <p:cNvPr id="44" name="直接连接符 43"/>
-            <p:cNvCxnSpPr/>
+            <p:cNvCxnSpPr>
+              <a:cxnSpLocks/>
+              <a:endCxn id="51" idx="1"/>
+            </p:cNvCxnSpPr>
             <p:nvPr/>
           </p:nvCxnSpPr>
           <p:spPr>
             <a:xfrm flipV="1">
-              <a:off x="8018709" y="-621672"/>
-              <a:ext cx="1719493" cy="1719492"/>
+              <a:off x="8018709" y="349850"/>
+              <a:ext cx="751529" cy="747970"/>
             </a:xfrm>
             <a:prstGeom prst="line">
               <a:avLst/>
@@ -7258,8 +7263,8 @@
         </p:nvGrpSpPr>
         <p:grpSpPr>
           <a:xfrm>
-            <a:off x="329480" y="-1473555"/>
-            <a:ext cx="3679083" cy="3225547"/>
+            <a:off x="329480" y="-589553"/>
+            <a:ext cx="3679083" cy="2341545"/>
             <a:chOff x="329480" y="-1473555"/>
             <a:chExt cx="3679083" cy="3225547"/>
           </a:xfrm>
@@ -7473,7 +7478,7 @@
         </p:nvGrpSpPr>
         <p:grpSpPr>
           <a:xfrm>
-            <a:off x="2959053" y="5171331"/>
+            <a:off x="4652889" y="3453631"/>
             <a:ext cx="1049510" cy="1073450"/>
             <a:chOff x="4725240" y="3362993"/>
             <a:chExt cx="1049510" cy="1073450"/>
@@ -7718,7 +7723,7 @@
         </p:nvSpPr>
         <p:spPr>
           <a:xfrm>
-            <a:off x="4914783" y="5759863"/>
+            <a:off x="6142528" y="4017792"/>
             <a:ext cx="2346557" cy="400110"/>
           </a:xfrm>
           <a:prstGeom prst="rect">
@@ -7743,6 +7748,597 @@
               </a:rPr>
               <a:t>组件</a:t>
             </a:r>
+          </a:p>
+        </p:txBody>
+      </p:sp>
+      <p:grpSp>
+        <p:nvGrpSpPr>
+          <p:cNvPr id="35" name="组合 34">
+            <a:extLst>
+              <a:ext uri="{FF2B5EF4-FFF2-40B4-BE49-F238E27FC236}">
+                <a16:creationId xmlns:a16="http://schemas.microsoft.com/office/drawing/2014/main" id="{11172E2C-E374-4589-B656-EEE3A0A44B38}"/>
+              </a:ext>
+            </a:extLst>
+          </p:cNvPr>
+          <p:cNvGrpSpPr/>
+          <p:nvPr/>
+        </p:nvGrpSpPr>
+        <p:grpSpPr>
+          <a:xfrm>
+            <a:off x="3679811" y="4401890"/>
+            <a:ext cx="1049510" cy="1073450"/>
+            <a:chOff x="4725240" y="3362993"/>
+            <a:chExt cx="1049510" cy="1073450"/>
+          </a:xfrm>
+        </p:grpSpPr>
+        <p:sp>
+          <p:nvSpPr>
+            <p:cNvPr id="36" name="矩形 35">
+              <a:extLst>
+                <a:ext uri="{FF2B5EF4-FFF2-40B4-BE49-F238E27FC236}">
+                  <a16:creationId xmlns:a16="http://schemas.microsoft.com/office/drawing/2014/main" id="{C2594DBD-0966-4EEF-95EE-67A23184E0DD}"/>
+                </a:ext>
+              </a:extLst>
+            </p:cNvPr>
+            <p:cNvSpPr/>
+            <p:nvPr/>
+          </p:nvSpPr>
+          <p:spPr>
+            <a:xfrm rot="2700000">
+              <a:off x="4725240" y="3712543"/>
+              <a:ext cx="723900" cy="723900"/>
+            </a:xfrm>
+            <a:prstGeom prst="rect">
+              <a:avLst/>
+            </a:prstGeom>
+            <a:solidFill>
+              <a:srgbClr val="0F2C5D">
+                <a:alpha val="70000"/>
+              </a:srgbClr>
+            </a:solidFill>
+            <a:ln>
+              <a:noFill/>
+            </a:ln>
+          </p:spPr>
+          <p:style>
+            <a:lnRef idx="2">
+              <a:schemeClr val="accent1">
+                <a:shade val="50000"/>
+              </a:schemeClr>
+            </a:lnRef>
+            <a:fillRef idx="1">
+              <a:schemeClr val="accent1"/>
+            </a:fillRef>
+            <a:effectRef idx="0">
+              <a:schemeClr val="accent1"/>
+            </a:effectRef>
+            <a:fontRef idx="minor">
+              <a:schemeClr val="lt1"/>
+            </a:fontRef>
+          </p:style>
+          <p:txBody>
+            <a:bodyPr rtlCol="0" anchor="ctr"/>
+            <a:lstStyle/>
+            <a:p>
+              <a:pPr algn="ctr"/>
+              <a:endParaRPr lang="zh-CN" altLang="en-US" dirty="0">
+                <a:ea typeface="微软雅黑" panose="020B0503020204020204" pitchFamily="34" charset="-122"/>
+              </a:endParaRPr>
+            </a:p>
+          </p:txBody>
+        </p:sp>
+        <p:grpSp>
+          <p:nvGrpSpPr>
+            <p:cNvPr id="37" name="组合 36">
+              <a:extLst>
+                <a:ext uri="{FF2B5EF4-FFF2-40B4-BE49-F238E27FC236}">
+                  <a16:creationId xmlns:a16="http://schemas.microsoft.com/office/drawing/2014/main" id="{350B161D-AB39-49C8-8150-D76A51057D95}"/>
+                </a:ext>
+              </a:extLst>
+            </p:cNvPr>
+            <p:cNvGrpSpPr/>
+            <p:nvPr/>
+          </p:nvGrpSpPr>
+          <p:grpSpPr>
+            <a:xfrm>
+              <a:off x="4753815" y="3362993"/>
+              <a:ext cx="1020935" cy="1065443"/>
+              <a:chOff x="4753815" y="3362993"/>
+              <a:chExt cx="1020935" cy="1065443"/>
+            </a:xfrm>
+          </p:grpSpPr>
+          <p:cxnSp>
+            <p:nvCxnSpPr>
+              <p:cNvPr id="38" name="直接连接符 37">
+                <a:extLst>
+                  <a:ext uri="{FF2B5EF4-FFF2-40B4-BE49-F238E27FC236}">
+                    <a16:creationId xmlns:a16="http://schemas.microsoft.com/office/drawing/2014/main" id="{8E9D581C-560F-4DED-93AD-2DFC622E0E0F}"/>
+                  </a:ext>
+                </a:extLst>
+              </p:cNvPr>
+              <p:cNvCxnSpPr/>
+              <p:nvPr/>
+            </p:nvCxnSpPr>
+            <p:spPr>
+              <a:xfrm flipV="1">
+                <a:off x="5537026" y="3362993"/>
+                <a:ext cx="237724" cy="237725"/>
+              </a:xfrm>
+              <a:prstGeom prst="line">
+                <a:avLst/>
+              </a:prstGeom>
+              <a:ln w="3175">
+                <a:solidFill>
+                  <a:srgbClr val="0F2C5D"/>
+                </a:solidFill>
+              </a:ln>
+            </p:spPr>
+            <p:style>
+              <a:lnRef idx="1">
+                <a:schemeClr val="accent1"/>
+              </a:lnRef>
+              <a:fillRef idx="0">
+                <a:schemeClr val="accent1"/>
+              </a:fillRef>
+              <a:effectRef idx="0">
+                <a:schemeClr val="accent1"/>
+              </a:effectRef>
+              <a:fontRef idx="minor">
+                <a:schemeClr val="tx1"/>
+              </a:fontRef>
+            </p:style>
+          </p:cxnSp>
+          <p:sp>
+            <p:nvSpPr>
+              <p:cNvPr id="39" name="文本框 38">
+                <a:extLst>
+                  <a:ext uri="{FF2B5EF4-FFF2-40B4-BE49-F238E27FC236}">
+                    <a16:creationId xmlns:a16="http://schemas.microsoft.com/office/drawing/2014/main" id="{D331C189-654A-4B85-8271-CD4AE037B881}"/>
+                  </a:ext>
+                </a:extLst>
+              </p:cNvPr>
+              <p:cNvSpPr txBox="1"/>
+              <p:nvPr/>
+            </p:nvSpPr>
+            <p:spPr>
+              <a:xfrm>
+                <a:off x="4753815" y="3720550"/>
+                <a:ext cx="666750" cy="707886"/>
+              </a:xfrm>
+              <a:prstGeom prst="rect">
+                <a:avLst/>
+              </a:prstGeom>
+              <a:noFill/>
+            </p:spPr>
+            <p:txBody>
+              <a:bodyPr wrap="square" rtlCol="0">
+                <a:spAutoFit/>
+              </a:bodyPr>
+              <a:lstStyle/>
+              <a:p>
+                <a:pPr algn="ctr"/>
+                <a:r>
+                  <a:rPr lang="en-US" altLang="zh-CN" sz="4000" dirty="0">
+                    <a:solidFill>
+                      <a:schemeClr val="bg1"/>
+                    </a:solidFill>
+                    <a:latin typeface="微软雅黑" panose="020B0503020204020204" pitchFamily="34" charset="-122"/>
+                    <a:ea typeface="微软雅黑" panose="020B0503020204020204" pitchFamily="34" charset="-122"/>
+                  </a:rPr>
+                  <a:t>5</a:t>
+                </a:r>
+                <a:endParaRPr lang="zh-CN" altLang="en-US" sz="4000" dirty="0">
+                  <a:solidFill>
+                    <a:schemeClr val="bg1"/>
+                  </a:solidFill>
+                  <a:latin typeface="微软雅黑" panose="020B0503020204020204" pitchFamily="34" charset="-122"/>
+                  <a:ea typeface="微软雅黑" panose="020B0503020204020204" pitchFamily="34" charset="-122"/>
+                </a:endParaRPr>
+              </a:p>
+            </p:txBody>
+          </p:sp>
+          <p:sp>
+            <p:nvSpPr>
+              <p:cNvPr id="40" name="矩形 39">
+                <a:extLst>
+                  <a:ext uri="{FF2B5EF4-FFF2-40B4-BE49-F238E27FC236}">
+                    <a16:creationId xmlns:a16="http://schemas.microsoft.com/office/drawing/2014/main" id="{02082EBB-C7E6-4836-8B12-E9494075C2A8}"/>
+                  </a:ext>
+                </a:extLst>
+              </p:cNvPr>
+              <p:cNvSpPr/>
+              <p:nvPr/>
+            </p:nvSpPr>
+            <p:spPr>
+              <a:xfrm rot="2700000">
+                <a:off x="4807636" y="3786202"/>
+                <a:ext cx="576000" cy="576000"/>
+              </a:xfrm>
+              <a:prstGeom prst="rect">
+                <a:avLst/>
+              </a:prstGeom>
+              <a:noFill/>
+              <a:ln w="12700">
+                <a:solidFill>
+                  <a:schemeClr val="bg1">
+                    <a:lumMod val="95000"/>
+                  </a:schemeClr>
+                </a:solidFill>
+                <a:prstDash val="dash"/>
+              </a:ln>
+            </p:spPr>
+            <p:style>
+              <a:lnRef idx="2">
+                <a:schemeClr val="accent1">
+                  <a:shade val="50000"/>
+                </a:schemeClr>
+              </a:lnRef>
+              <a:fillRef idx="1">
+                <a:schemeClr val="accent1"/>
+              </a:fillRef>
+              <a:effectRef idx="0">
+                <a:schemeClr val="accent1"/>
+              </a:effectRef>
+              <a:fontRef idx="minor">
+                <a:schemeClr val="lt1"/>
+              </a:fontRef>
+            </p:style>
+            <p:txBody>
+              <a:bodyPr rtlCol="0" anchor="ctr"/>
+              <a:lstStyle/>
+              <a:p>
+                <a:pPr algn="ctr"/>
+                <a:endParaRPr lang="zh-CN" altLang="en-US" dirty="0">
+                  <a:ea typeface="微软雅黑" panose="020B0503020204020204" pitchFamily="34" charset="-122"/>
+                </a:endParaRPr>
+              </a:p>
+            </p:txBody>
+          </p:sp>
+        </p:grpSp>
+      </p:grpSp>
+      <p:grpSp>
+        <p:nvGrpSpPr>
+          <p:cNvPr id="41" name="组合 40">
+            <a:extLst>
+              <a:ext uri="{FF2B5EF4-FFF2-40B4-BE49-F238E27FC236}">
+                <a16:creationId xmlns:a16="http://schemas.microsoft.com/office/drawing/2014/main" id="{617CEE02-8968-4345-B4DF-764B0B441750}"/>
+              </a:ext>
+            </a:extLst>
+          </p:cNvPr>
+          <p:cNvGrpSpPr/>
+          <p:nvPr/>
+        </p:nvGrpSpPr>
+        <p:grpSpPr>
+          <a:xfrm>
+            <a:off x="2708638" y="5428290"/>
+            <a:ext cx="1049510" cy="1073450"/>
+            <a:chOff x="4725240" y="3362993"/>
+            <a:chExt cx="1049510" cy="1073450"/>
+          </a:xfrm>
+        </p:grpSpPr>
+        <p:sp>
+          <p:nvSpPr>
+            <p:cNvPr id="57" name="矩形 56">
+              <a:extLst>
+                <a:ext uri="{FF2B5EF4-FFF2-40B4-BE49-F238E27FC236}">
+                  <a16:creationId xmlns:a16="http://schemas.microsoft.com/office/drawing/2014/main" id="{7B356E7C-47B6-4C14-8AB1-796430EA81D8}"/>
+                </a:ext>
+              </a:extLst>
+            </p:cNvPr>
+            <p:cNvSpPr/>
+            <p:nvPr/>
+          </p:nvSpPr>
+          <p:spPr>
+            <a:xfrm rot="2700000">
+              <a:off x="4725240" y="3712543"/>
+              <a:ext cx="723900" cy="723900"/>
+            </a:xfrm>
+            <a:prstGeom prst="rect">
+              <a:avLst/>
+            </a:prstGeom>
+            <a:solidFill>
+              <a:srgbClr val="0F2C5D">
+                <a:alpha val="70000"/>
+              </a:srgbClr>
+            </a:solidFill>
+            <a:ln>
+              <a:noFill/>
+            </a:ln>
+          </p:spPr>
+          <p:style>
+            <a:lnRef idx="2">
+              <a:schemeClr val="accent1">
+                <a:shade val="50000"/>
+              </a:schemeClr>
+            </a:lnRef>
+            <a:fillRef idx="1">
+              <a:schemeClr val="accent1"/>
+            </a:fillRef>
+            <a:effectRef idx="0">
+              <a:schemeClr val="accent1"/>
+            </a:effectRef>
+            <a:fontRef idx="minor">
+              <a:schemeClr val="lt1"/>
+            </a:fontRef>
+          </p:style>
+          <p:txBody>
+            <a:bodyPr rtlCol="0" anchor="ctr"/>
+            <a:lstStyle/>
+            <a:p>
+              <a:pPr algn="ctr"/>
+              <a:endParaRPr lang="zh-CN" altLang="en-US" dirty="0">
+                <a:ea typeface="微软雅黑" panose="020B0503020204020204" pitchFamily="34" charset="-122"/>
+              </a:endParaRPr>
+            </a:p>
+          </p:txBody>
+        </p:sp>
+        <p:grpSp>
+          <p:nvGrpSpPr>
+            <p:cNvPr id="58" name="组合 57">
+              <a:extLst>
+                <a:ext uri="{FF2B5EF4-FFF2-40B4-BE49-F238E27FC236}">
+                  <a16:creationId xmlns:a16="http://schemas.microsoft.com/office/drawing/2014/main" id="{83D7D19A-5907-4783-86DE-56411E112DA6}"/>
+                </a:ext>
+              </a:extLst>
+            </p:cNvPr>
+            <p:cNvGrpSpPr/>
+            <p:nvPr/>
+          </p:nvGrpSpPr>
+          <p:grpSpPr>
+            <a:xfrm>
+              <a:off x="4753815" y="3362993"/>
+              <a:ext cx="1020935" cy="1065443"/>
+              <a:chOff x="4753815" y="3362993"/>
+              <a:chExt cx="1020935" cy="1065443"/>
+            </a:xfrm>
+          </p:grpSpPr>
+          <p:cxnSp>
+            <p:nvCxnSpPr>
+              <p:cNvPr id="59" name="直接连接符 58">
+                <a:extLst>
+                  <a:ext uri="{FF2B5EF4-FFF2-40B4-BE49-F238E27FC236}">
+                    <a16:creationId xmlns:a16="http://schemas.microsoft.com/office/drawing/2014/main" id="{E303896A-C981-44EE-A180-8FE32D4E14DE}"/>
+                  </a:ext>
+                </a:extLst>
+              </p:cNvPr>
+              <p:cNvCxnSpPr/>
+              <p:nvPr/>
+            </p:nvCxnSpPr>
+            <p:spPr>
+              <a:xfrm flipV="1">
+                <a:off x="5537026" y="3362993"/>
+                <a:ext cx="237724" cy="237725"/>
+              </a:xfrm>
+              <a:prstGeom prst="line">
+                <a:avLst/>
+              </a:prstGeom>
+              <a:ln w="3175">
+                <a:solidFill>
+                  <a:srgbClr val="0F2C5D"/>
+                </a:solidFill>
+              </a:ln>
+            </p:spPr>
+            <p:style>
+              <a:lnRef idx="1">
+                <a:schemeClr val="accent1"/>
+              </a:lnRef>
+              <a:fillRef idx="0">
+                <a:schemeClr val="accent1"/>
+              </a:fillRef>
+              <a:effectRef idx="0">
+                <a:schemeClr val="accent1"/>
+              </a:effectRef>
+              <a:fontRef idx="minor">
+                <a:schemeClr val="tx1"/>
+              </a:fontRef>
+            </p:style>
+          </p:cxnSp>
+          <p:sp>
+            <p:nvSpPr>
+              <p:cNvPr id="60" name="文本框 59">
+                <a:extLst>
+                  <a:ext uri="{FF2B5EF4-FFF2-40B4-BE49-F238E27FC236}">
+                    <a16:creationId xmlns:a16="http://schemas.microsoft.com/office/drawing/2014/main" id="{D132634D-8F49-413C-AC22-AFAD468D22A8}"/>
+                  </a:ext>
+                </a:extLst>
+              </p:cNvPr>
+              <p:cNvSpPr txBox="1"/>
+              <p:nvPr/>
+            </p:nvSpPr>
+            <p:spPr>
+              <a:xfrm>
+                <a:off x="4753815" y="3720550"/>
+                <a:ext cx="666750" cy="707886"/>
+              </a:xfrm>
+              <a:prstGeom prst="rect">
+                <a:avLst/>
+              </a:prstGeom>
+              <a:noFill/>
+            </p:spPr>
+            <p:txBody>
+              <a:bodyPr wrap="square" rtlCol="0">
+                <a:spAutoFit/>
+              </a:bodyPr>
+              <a:lstStyle/>
+              <a:p>
+                <a:pPr algn="ctr"/>
+                <a:r>
+                  <a:rPr lang="en-US" altLang="zh-CN" sz="4000" dirty="0">
+                    <a:solidFill>
+                      <a:schemeClr val="bg1"/>
+                    </a:solidFill>
+                    <a:latin typeface="微软雅黑" panose="020B0503020204020204" pitchFamily="34" charset="-122"/>
+                    <a:ea typeface="微软雅黑" panose="020B0503020204020204" pitchFamily="34" charset="-122"/>
+                  </a:rPr>
+                  <a:t>6</a:t>
+                </a:r>
+                <a:endParaRPr lang="zh-CN" altLang="en-US" sz="4000" dirty="0">
+                  <a:solidFill>
+                    <a:schemeClr val="bg1"/>
+                  </a:solidFill>
+                  <a:latin typeface="微软雅黑" panose="020B0503020204020204" pitchFamily="34" charset="-122"/>
+                  <a:ea typeface="微软雅黑" panose="020B0503020204020204" pitchFamily="34" charset="-122"/>
+                </a:endParaRPr>
+              </a:p>
+            </p:txBody>
+          </p:sp>
+          <p:sp>
+            <p:nvSpPr>
+              <p:cNvPr id="61" name="矩形 60">
+                <a:extLst>
+                  <a:ext uri="{FF2B5EF4-FFF2-40B4-BE49-F238E27FC236}">
+                    <a16:creationId xmlns:a16="http://schemas.microsoft.com/office/drawing/2014/main" id="{DE066333-3457-4FFE-810B-DDFC2EBEC807}"/>
+                  </a:ext>
+                </a:extLst>
+              </p:cNvPr>
+              <p:cNvSpPr/>
+              <p:nvPr/>
+            </p:nvSpPr>
+            <p:spPr>
+              <a:xfrm rot="2700000">
+                <a:off x="4807636" y="3786202"/>
+                <a:ext cx="576000" cy="576000"/>
+              </a:xfrm>
+              <a:prstGeom prst="rect">
+                <a:avLst/>
+              </a:prstGeom>
+              <a:noFill/>
+              <a:ln w="12700">
+                <a:solidFill>
+                  <a:schemeClr val="bg1">
+                    <a:lumMod val="95000"/>
+                  </a:schemeClr>
+                </a:solidFill>
+                <a:prstDash val="dash"/>
+              </a:ln>
+            </p:spPr>
+            <p:style>
+              <a:lnRef idx="2">
+                <a:schemeClr val="accent1">
+                  <a:shade val="50000"/>
+                </a:schemeClr>
+              </a:lnRef>
+              <a:fillRef idx="1">
+                <a:schemeClr val="accent1"/>
+              </a:fillRef>
+              <a:effectRef idx="0">
+                <a:schemeClr val="accent1"/>
+              </a:effectRef>
+              <a:fontRef idx="minor">
+                <a:schemeClr val="lt1"/>
+              </a:fontRef>
+            </p:style>
+            <p:txBody>
+              <a:bodyPr rtlCol="0" anchor="ctr"/>
+              <a:lstStyle/>
+              <a:p>
+                <a:pPr algn="ctr"/>
+                <a:endParaRPr lang="zh-CN" altLang="en-US" dirty="0">
+                  <a:ea typeface="微软雅黑" panose="020B0503020204020204" pitchFamily="34" charset="-122"/>
+                </a:endParaRPr>
+              </a:p>
+            </p:txBody>
+          </p:sp>
+        </p:grpSp>
+      </p:grpSp>
+      <p:sp>
+        <p:nvSpPr>
+          <p:cNvPr id="62" name="文本框 61">
+            <a:extLst>
+              <a:ext uri="{FF2B5EF4-FFF2-40B4-BE49-F238E27FC236}">
+                <a16:creationId xmlns:a16="http://schemas.microsoft.com/office/drawing/2014/main" id="{8E0229E8-29F0-4258-A10D-C584A20FC5F6}"/>
+              </a:ext>
+            </a:extLst>
+          </p:cNvPr>
+          <p:cNvSpPr txBox="1"/>
+          <p:nvPr/>
+        </p:nvSpPr>
+        <p:spPr>
+          <a:xfrm>
+            <a:off x="5324919" y="4986592"/>
+            <a:ext cx="2346557" cy="400110"/>
+          </a:xfrm>
+          <a:prstGeom prst="rect">
+            <a:avLst/>
+          </a:prstGeom>
+          <a:noFill/>
+        </p:spPr>
+        <p:txBody>
+          <a:bodyPr wrap="square" rtlCol="0">
+            <a:spAutoFit/>
+          </a:bodyPr>
+          <a:lstStyle/>
+          <a:p>
+            <a:pPr algn="ctr"/>
+            <a:r>
+              <a:rPr lang="zh-CN" altLang="en-US" sz="2000" b="1" dirty="0">
+                <a:solidFill>
+                  <a:srgbClr val="0F2C5D"/>
+                </a:solidFill>
+                <a:latin typeface="微软雅黑" panose="020B0503020204020204" pitchFamily="34" charset="-122"/>
+                <a:ea typeface="微软雅黑" panose="020B0503020204020204" pitchFamily="34" charset="-122"/>
+              </a:rPr>
+              <a:t>浏览器兼容性</a:t>
+            </a:r>
+          </a:p>
+        </p:txBody>
+      </p:sp>
+      <p:sp>
+        <p:nvSpPr>
+          <p:cNvPr id="63" name="文本框 62">
+            <a:extLst>
+              <a:ext uri="{FF2B5EF4-FFF2-40B4-BE49-F238E27FC236}">
+                <a16:creationId xmlns:a16="http://schemas.microsoft.com/office/drawing/2014/main" id="{693317A7-AFB1-4312-8E6D-EEF7BD35B9E6}"/>
+              </a:ext>
+            </a:extLst>
+          </p:cNvPr>
+          <p:cNvSpPr txBox="1"/>
+          <p:nvPr/>
+        </p:nvSpPr>
+        <p:spPr>
+          <a:xfrm>
+            <a:off x="4459813" y="6028455"/>
+            <a:ext cx="2346557" cy="400110"/>
+          </a:xfrm>
+          <a:prstGeom prst="rect">
+            <a:avLst/>
+          </a:prstGeom>
+          <a:noFill/>
+        </p:spPr>
+        <p:txBody>
+          <a:bodyPr wrap="square" rtlCol="0">
+            <a:spAutoFit/>
+          </a:bodyPr>
+          <a:lstStyle/>
+          <a:p>
+            <a:pPr algn="ctr"/>
+            <a:r>
+              <a:rPr lang="zh-CN" altLang="en-US" sz="2000" b="1" dirty="0">
+                <a:solidFill>
+                  <a:srgbClr val="0F2C5D"/>
+                </a:solidFill>
+                <a:latin typeface="微软雅黑" panose="020B0503020204020204" pitchFamily="34" charset="-122"/>
+                <a:ea typeface="微软雅黑" panose="020B0503020204020204" pitchFamily="34" charset="-122"/>
+              </a:rPr>
+              <a:t>单表页面</a:t>
+            </a:r>
+            <a:r>
+              <a:rPr lang="en-US" altLang="zh-CN" sz="2000" b="1" dirty="0">
+                <a:solidFill>
+                  <a:srgbClr val="0F2C5D"/>
+                </a:solidFill>
+                <a:latin typeface="微软雅黑" panose="020B0503020204020204" pitchFamily="34" charset="-122"/>
+                <a:ea typeface="微软雅黑" panose="020B0503020204020204" pitchFamily="34" charset="-122"/>
+              </a:rPr>
+              <a:t>demo</a:t>
+            </a:r>
+            <a:endParaRPr lang="zh-CN" altLang="en-US" sz="2000" b="1" dirty="0">
+              <a:solidFill>
+                <a:srgbClr val="0F2C5D"/>
+              </a:solidFill>
+              <a:latin typeface="微软雅黑" panose="020B0503020204020204" pitchFamily="34" charset="-122"/>
+              <a:ea typeface="微软雅黑" panose="020B0503020204020204" pitchFamily="34" charset="-122"/>
+            </a:endParaRPr>
           </a:p>
         </p:txBody>
       </p:sp>
@@ -8049,6 +8645,94 @@
                             </p:childTnLst>
                           </p:cTn>
                         </p:par>
+                        <p:par>
+                          <p:cTn id="26" fill="hold">
+                            <p:stCondLst>
+                              <p:cond delay="2000"/>
+                            </p:stCondLst>
+                            <p:childTnLst>
+                              <p:par>
+                                <p:cTn id="27" presetID="22" presetClass="entr" presetSubtype="1" fill="hold" nodeType="afterEffect">
+                                  <p:stCondLst>
+                                    <p:cond delay="0"/>
+                                  </p:stCondLst>
+                                  <p:childTnLst>
+                                    <p:set>
+                                      <p:cBhvr>
+                                        <p:cTn id="28" dur="1" fill="hold">
+                                          <p:stCondLst>
+                                            <p:cond delay="0"/>
+                                          </p:stCondLst>
+                                        </p:cTn>
+                                        <p:tgtEl>
+                                          <p:spTgt spid="35"/>
+                                        </p:tgtEl>
+                                        <p:attrNameLst>
+                                          <p:attrName>style.visibility</p:attrName>
+                                        </p:attrNameLst>
+                                      </p:cBhvr>
+                                      <p:to>
+                                        <p:strVal val="visible"/>
+                                      </p:to>
+                                    </p:set>
+                                    <p:animEffect transition="in" filter="wipe(up)">
+                                      <p:cBhvr>
+                                        <p:cTn id="29" dur="500"/>
+                                        <p:tgtEl>
+                                          <p:spTgt spid="35"/>
+                                        </p:tgtEl>
+                                      </p:cBhvr>
+                                    </p:animEffect>
+                                  </p:childTnLst>
+                                </p:cTn>
+                              </p:par>
+                            </p:childTnLst>
+                          </p:cTn>
+                        </p:par>
+                        <p:par>
+                          <p:cTn id="30" fill="hold">
+                            <p:stCondLst>
+                              <p:cond delay="2500"/>
+                            </p:stCondLst>
+                            <p:childTnLst>
+                              <p:par>
+                                <p:cTn id="31" presetID="22" presetClass="entr" presetSubtype="1" fill="hold" nodeType="afterEffect">
+                                  <p:stCondLst>
+                                    <p:cond delay="0"/>
+                                  </p:stCondLst>
+                                  <p:childTnLst>
+                                    <p:set>
+                                      <p:cBhvr>
+                                        <p:cTn id="32" dur="1" fill="hold">
+                                          <p:stCondLst>
+                                            <p:cond delay="0"/>
+                                          </p:stCondLst>
+                                        </p:cTn>
+                                        <p:tgtEl>
+                                          <p:spTgt spid="41"/>
+                                        </p:tgtEl>
+                                        <p:attrNameLst>
+                                          <p:attrName>style.visibility</p:attrName>
+                                        </p:attrNameLst>
+                                      </p:cBhvr>
+                                      <p:to>
+                                        <p:strVal val="visible"/>
+                                      </p:to>
+                                    </p:set>
+                                    <p:animEffect transition="in" filter="wipe(up)">
+                                      <p:cBhvr>
+                                        <p:cTn id="33" dur="500"/>
+                                        <p:tgtEl>
+                                          <p:spTgt spid="41"/>
+                                        </p:tgtEl>
+                                      </p:cBhvr>
+                                    </p:animEffect>
+                                  </p:childTnLst>
+                                </p:cTn>
+                              </p:par>
+                            </p:childTnLst>
+                          </p:cTn>
+                        </p:par>
                       </p:childTnLst>
                     </p:cTn>
                   </p:par>
@@ -8265,7 +8949,7 @@
                 <a:latin typeface="微软雅黑" panose="020B0503020204020204" pitchFamily="34" charset="-122"/>
                 <a:ea typeface="微软雅黑" panose="020B0503020204020204" pitchFamily="34" charset="-122"/>
               </a:rPr>
-              <a:t>	</a:t>
+              <a:t>      </a:t>
             </a:r>
             <a:r>
               <a:rPr lang="en-US" altLang="zh-CN" sz="1800" b="1" spc="67" dirty="0">
@@ -8951,6 +9635,46 @@
               <a:latin typeface="微软雅黑" panose="020B0503020204020204" pitchFamily="34" charset="-122"/>
               <a:ea typeface="微软雅黑" panose="020B0503020204020204" pitchFamily="34" charset="-122"/>
             </a:endParaRPr>
+          </a:p>
+        </p:txBody>
+      </p:sp>
+      <p:sp>
+        <p:nvSpPr>
+          <p:cNvPr id="3" name="文本框 2">
+            <a:extLst>
+              <a:ext uri="{FF2B5EF4-FFF2-40B4-BE49-F238E27FC236}">
+                <a16:creationId xmlns:a16="http://schemas.microsoft.com/office/drawing/2014/main" id="{3A309770-5444-439A-B861-14705080F821}"/>
+              </a:ext>
+            </a:extLst>
+          </p:cNvPr>
+          <p:cNvSpPr txBox="1"/>
+          <p:nvPr/>
+        </p:nvSpPr>
+        <p:spPr>
+          <a:xfrm>
+            <a:off x="10682816" y="6118467"/>
+            <a:ext cx="763351" cy="369332"/>
+          </a:xfrm>
+          <a:prstGeom prst="rect">
+            <a:avLst/>
+          </a:prstGeom>
+          <a:noFill/>
+        </p:spPr>
+        <p:txBody>
+          <a:bodyPr wrap="none" rtlCol="0">
+            <a:spAutoFit/>
+          </a:bodyPr>
+          <a:lstStyle/>
+          <a:p>
+            <a:r>
+              <a:rPr lang="en-US" dirty="0"/>
+              <a:t>5</a:t>
+            </a:r>
+            <a:r>
+              <a:rPr lang="zh-CN" altLang="en-US" dirty="0"/>
+              <a:t>分钟</a:t>
+            </a:r>
+            <a:endParaRPr lang="en-US" dirty="0"/>
           </a:p>
         </p:txBody>
       </p:sp>
@@ -9273,7 +9997,7 @@
       </p:grpSpPr>
       <p:sp>
         <p:nvSpPr>
-          <p:cNvPr id="21" name="矩形 20"/>
+          <p:cNvPr id="26" name="矩形 25"/>
           <p:cNvSpPr>
             <a:spLocks noChangeArrowheads="1"/>
           </p:cNvSpPr>
@@ -9281,8 +10005,8 @@
         </p:nvSpPr>
         <p:spPr bwMode="auto">
           <a:xfrm>
-            <a:off x="761347" y="2301463"/>
-            <a:ext cx="10317422" cy="348813"/>
+            <a:off x="761347" y="1882015"/>
+            <a:ext cx="10838737" cy="861774"/>
           </a:xfrm>
           <a:prstGeom prst="rect">
             <a:avLst/>
@@ -9327,7 +10051,7 @@
               <a:defRPr/>
             </a:pPr>
             <a:r>
-              <a:rPr lang="en-US" altLang="zh-CN" dirty="0">
+              <a:rPr lang="zh-CN" altLang="en-US" b="1" spc="67" dirty="0">
                 <a:solidFill>
                   <a:schemeClr val="tx1">
                     <a:lumMod val="75000"/>
@@ -9337,10 +10061,10 @@
                 <a:latin typeface="微软雅黑" panose="020B0503020204020204" pitchFamily="34" charset="-122"/>
                 <a:ea typeface="微软雅黑" panose="020B0503020204020204" pitchFamily="34" charset="-122"/>
               </a:rPr>
-              <a:t>2</a:t>
-            </a:r>
-            <a:r>
-              <a:rPr lang="zh-CN" altLang="en-US" dirty="0">
+              <a:t>方式</a:t>
+            </a:r>
+            <a:r>
+              <a:rPr lang="en-US" altLang="zh-CN" b="1" spc="67" dirty="0">
                 <a:solidFill>
                   <a:schemeClr val="tx1">
                     <a:lumMod val="75000"/>
@@ -9350,10 +10074,10 @@
                 <a:latin typeface="微软雅黑" panose="020B0503020204020204" pitchFamily="34" charset="-122"/>
                 <a:ea typeface="微软雅黑" panose="020B0503020204020204" pitchFamily="34" charset="-122"/>
               </a:rPr>
-              <a:t>、使用官方推荐的脚手架工具，</a:t>
-            </a:r>
-            <a:r>
-              <a:rPr lang="en-US" altLang="zh-CN" dirty="0">
+              <a:t>1</a:t>
+            </a:r>
+            <a:r>
+              <a:rPr lang="zh-CN" altLang="en-US" b="1" spc="67" dirty="0">
                 <a:solidFill>
                   <a:schemeClr val="tx1">
                     <a:lumMod val="75000"/>
@@ -9363,91 +10087,7 @@
                 <a:latin typeface="微软雅黑" panose="020B0503020204020204" pitchFamily="34" charset="-122"/>
                 <a:ea typeface="微软雅黑" panose="020B0503020204020204" pitchFamily="34" charset="-122"/>
               </a:rPr>
-              <a:t>Vue-cli</a:t>
-            </a:r>
-          </a:p>
-        </p:txBody>
-      </p:sp>
-      <p:sp>
-        <p:nvSpPr>
-          <p:cNvPr id="26" name="矩形 25"/>
-          <p:cNvSpPr>
-            <a:spLocks noChangeArrowheads="1"/>
-          </p:cNvSpPr>
-          <p:nvPr/>
-        </p:nvSpPr>
-        <p:spPr bwMode="auto">
-          <a:xfrm>
-            <a:off x="761347" y="1882015"/>
-            <a:ext cx="10838737" cy="348813"/>
-          </a:xfrm>
-          <a:prstGeom prst="rect">
-            <a:avLst/>
-          </a:prstGeom>
-          <a:noFill/>
-          <a:ln>
-            <a:noFill/>
-          </a:ln>
-          <a:extLst>
-            <a:ext uri="{909E8E84-426E-40DD-AFC4-6F175D3DCCD1}">
-              <a14:hiddenFill xmlns:a14="http://schemas.microsoft.com/office/drawing/2010/main">
-                <a:solidFill>
-                  <a:srgbClr val="FFFFFF"/>
-                </a:solidFill>
-              </a14:hiddenFill>
-            </a:ext>
-            <a:ext uri="{91240B29-F687-4F45-9708-019B960494DF}">
-              <a14:hiddenLine xmlns:a14="http://schemas.microsoft.com/office/drawing/2010/main" w="9525">
-                <a:solidFill>
-                  <a:srgbClr val="000000"/>
-                </a:solidFill>
-                <a:miter lim="800000"/>
-                <a:headEnd/>
-                <a:tailEnd/>
-              </a14:hiddenLine>
-            </a:ext>
-          </a:extLst>
-        </p:spPr>
-        <p:txBody>
-          <a:bodyPr wrap="square">
-            <a:spAutoFit/>
-          </a:bodyPr>
-          <a:lstStyle/>
-          <a:p>
-            <a:pPr algn="just" defTabSz="914377">
-              <a:lnSpc>
-                <a:spcPts val="2000"/>
-              </a:lnSpc>
-              <a:buClr>
-                <a:srgbClr val="0070C0"/>
-              </a:buClr>
-              <a:defRPr/>
-            </a:pPr>
-            <a:r>
-              <a:rPr lang="en-US" altLang="zh-CN" b="1" spc="67" dirty="0">
-                <a:solidFill>
-                  <a:schemeClr val="tx1">
-                    <a:lumMod val="75000"/>
-                    <a:lumOff val="25000"/>
-                  </a:schemeClr>
-                </a:solidFill>
-                <a:latin typeface="微软雅黑" panose="020B0503020204020204" pitchFamily="34" charset="-122"/>
-                <a:ea typeface="微软雅黑" panose="020B0503020204020204" pitchFamily="34" charset="-122"/>
-              </a:rPr>
-              <a:t>1</a:t>
-            </a:r>
-            <a:r>
-              <a:rPr lang="zh-CN" altLang="en-US" b="1" spc="67" dirty="0">
-                <a:solidFill>
-                  <a:schemeClr val="tx1">
-                    <a:lumMod val="75000"/>
-                    <a:lumOff val="25000"/>
-                  </a:schemeClr>
-                </a:solidFill>
-                <a:latin typeface="微软雅黑" panose="020B0503020204020204" pitchFamily="34" charset="-122"/>
-                <a:ea typeface="微软雅黑" panose="020B0503020204020204" pitchFamily="34" charset="-122"/>
-              </a:rPr>
-              <a:t>、引入式标签，将</a:t>
+              <a:t>：引入式标签，将</a:t>
             </a:r>
             <a:r>
               <a:rPr lang="en-US" altLang="zh-CN" b="1" spc="67" dirty="0">
@@ -9485,6 +10125,90 @@
               <a:latin typeface="微软雅黑" panose="020B0503020204020204" pitchFamily="34" charset="-122"/>
               <a:ea typeface="微软雅黑" panose="020B0503020204020204" pitchFamily="34" charset="-122"/>
             </a:endParaRPr>
+          </a:p>
+          <a:p>
+            <a:pPr algn="just" defTabSz="914377">
+              <a:lnSpc>
+                <a:spcPts val="2000"/>
+              </a:lnSpc>
+              <a:buClr>
+                <a:srgbClr val="0070C0"/>
+              </a:buClr>
+              <a:defRPr/>
+            </a:pPr>
+            <a:endParaRPr lang="en-US" altLang="zh-CN" b="1" spc="67" dirty="0">
+              <a:solidFill>
+                <a:schemeClr val="tx1">
+                  <a:lumMod val="75000"/>
+                  <a:lumOff val="25000"/>
+                </a:schemeClr>
+              </a:solidFill>
+              <a:latin typeface="微软雅黑" panose="020B0503020204020204" pitchFamily="34" charset="-122"/>
+              <a:ea typeface="微软雅黑" panose="020B0503020204020204" pitchFamily="34" charset="-122"/>
+            </a:endParaRPr>
+          </a:p>
+          <a:p>
+            <a:pPr algn="just" defTabSz="914377">
+              <a:lnSpc>
+                <a:spcPts val="2000"/>
+              </a:lnSpc>
+              <a:buClr>
+                <a:srgbClr val="0070C0"/>
+              </a:buClr>
+              <a:defRPr/>
+            </a:pPr>
+            <a:r>
+              <a:rPr lang="zh-CN" altLang="en-US" b="1" spc="67" dirty="0">
+                <a:solidFill>
+                  <a:schemeClr val="tx1">
+                    <a:lumMod val="75000"/>
+                    <a:lumOff val="25000"/>
+                  </a:schemeClr>
+                </a:solidFill>
+                <a:latin typeface="微软雅黑" panose="020B0503020204020204" pitchFamily="34" charset="-122"/>
+                <a:ea typeface="微软雅黑" panose="020B0503020204020204" pitchFamily="34" charset="-122"/>
+              </a:rPr>
+              <a:t>方式</a:t>
+            </a:r>
+            <a:r>
+              <a:rPr lang="en-US" altLang="zh-CN" b="1" spc="67" dirty="0">
+                <a:solidFill>
+                  <a:schemeClr val="tx1">
+                    <a:lumMod val="75000"/>
+                    <a:lumOff val="25000"/>
+                  </a:schemeClr>
+                </a:solidFill>
+                <a:latin typeface="微软雅黑" panose="020B0503020204020204" pitchFamily="34" charset="-122"/>
+                <a:ea typeface="微软雅黑" panose="020B0503020204020204" pitchFamily="34" charset="-122"/>
+              </a:rPr>
+              <a:t>2</a:t>
+            </a:r>
+            <a:r>
+              <a:rPr lang="zh-CN" altLang="en-US" b="1" spc="67" dirty="0">
+                <a:solidFill>
+                  <a:schemeClr val="tx1">
+                    <a:lumMod val="75000"/>
+                    <a:lumOff val="25000"/>
+                  </a:schemeClr>
+                </a:solidFill>
+                <a:latin typeface="微软雅黑" panose="020B0503020204020204" pitchFamily="34" charset="-122"/>
+                <a:ea typeface="微软雅黑" panose="020B0503020204020204" pitchFamily="34" charset="-122"/>
+              </a:rPr>
+              <a:t>：使用官方推荐的脚手架工具，</a:t>
+            </a:r>
+            <a:r>
+              <a:rPr lang="en-US" altLang="zh-CN" b="1" spc="67" dirty="0">
+                <a:solidFill>
+                  <a:schemeClr val="tx1">
+                    <a:lumMod val="75000"/>
+                    <a:lumOff val="25000"/>
+                  </a:schemeClr>
+                </a:solidFill>
+                <a:latin typeface="微软雅黑" panose="020B0503020204020204" pitchFamily="34" charset="-122"/>
+                <a:ea typeface="微软雅黑" panose="020B0503020204020204" pitchFamily="34" charset="-122"/>
+              </a:rPr>
+              <a:t>Vue-cli</a:t>
+            </a:r>
           </a:p>
         </p:txBody>
       </p:sp>
@@ -9753,17 +10477,19 @@
           </a:bodyPr>
           <a:lstStyle/>
           <a:p>
-            <a:pPr algn="just" defTabSz="914377">
+            <a:pPr marL="457200" indent="-457200" algn="just" defTabSz="914377">
               <a:lnSpc>
                 <a:spcPts val="2000"/>
               </a:lnSpc>
               <a:buClr>
                 <a:srgbClr val="0070C0"/>
               </a:buClr>
+              <a:buFont typeface="+mj-lt"/>
+              <a:buAutoNum type="arabicPeriod"/>
               <a:defRPr/>
             </a:pPr>
             <a:r>
-              <a:rPr lang="en-US" altLang="zh-CN" sz="2000" b="1" dirty="0">
+              <a:rPr lang="zh-CN" altLang="en-US" sz="2000" b="1" dirty="0">
                 <a:solidFill>
                   <a:schemeClr val="tx1">
                     <a:lumMod val="75000"/>
@@ -9773,147 +10499,29 @@
                 <a:latin typeface="微软雅黑" panose="020B0503020204020204" pitchFamily="34" charset="-122"/>
                 <a:ea typeface="微软雅黑" panose="020B0503020204020204" pitchFamily="34" charset="-122"/>
               </a:rPr>
-              <a:t>1</a:t>
-            </a:r>
-            <a:r>
-              <a:rPr lang="zh-CN" altLang="en-US" sz="2000" b="1" dirty="0">
-                <a:solidFill>
-                  <a:schemeClr val="tx1">
-                    <a:lumMod val="75000"/>
-                    <a:lumOff val="25000"/>
-                  </a:schemeClr>
-                </a:solidFill>
-                <a:latin typeface="微软雅黑" panose="020B0503020204020204" pitchFamily="34" charset="-122"/>
-                <a:ea typeface="微软雅黑" panose="020B0503020204020204" pitchFamily="34" charset="-122"/>
-              </a:rPr>
-              <a:t>、指定： </a:t>
-            </a:r>
-            <a:r>
-              <a:rPr lang="en-US" altLang="zh-CN" sz="2000" b="1" dirty="0">
-                <a:solidFill>
-                  <a:schemeClr val="tx1">
-                    <a:lumMod val="75000"/>
-                    <a:lumOff val="25000"/>
-                  </a:schemeClr>
-                </a:solidFill>
-                <a:latin typeface="微软雅黑" panose="020B0503020204020204" pitchFamily="34" charset="-122"/>
-                <a:ea typeface="微软雅黑" panose="020B0503020204020204" pitchFamily="34" charset="-122"/>
-              </a:rPr>
-              <a:t>v-bind</a:t>
-            </a:r>
-            <a:r>
-              <a:rPr lang="zh-CN" altLang="en-US" sz="2000" b="1" dirty="0">
-                <a:solidFill>
-                  <a:schemeClr val="tx1">
-                    <a:lumMod val="75000"/>
-                    <a:lumOff val="25000"/>
-                  </a:schemeClr>
-                </a:solidFill>
-                <a:latin typeface="微软雅黑" panose="020B0503020204020204" pitchFamily="34" charset="-122"/>
-                <a:ea typeface="微软雅黑" panose="020B0503020204020204" pitchFamily="34" charset="-122"/>
-              </a:rPr>
-              <a:t>、</a:t>
-            </a:r>
-            <a:r>
-              <a:rPr lang="en-US" altLang="zh-CN" sz="2000" b="1" dirty="0">
-                <a:solidFill>
-                  <a:schemeClr val="tx1">
-                    <a:lumMod val="75000"/>
-                    <a:lumOff val="25000"/>
-                  </a:schemeClr>
-                </a:solidFill>
-                <a:latin typeface="微软雅黑" panose="020B0503020204020204" pitchFamily="34" charset="-122"/>
-                <a:ea typeface="微软雅黑" panose="020B0503020204020204" pitchFamily="34" charset="-122"/>
-              </a:rPr>
-              <a:t>v-if</a:t>
-            </a:r>
-            <a:r>
-              <a:rPr lang="zh-CN" altLang="en-US" sz="2000" b="1" dirty="0">
-                <a:solidFill>
-                  <a:schemeClr val="tx1">
-                    <a:lumMod val="75000"/>
-                    <a:lumOff val="25000"/>
-                  </a:schemeClr>
-                </a:solidFill>
-                <a:latin typeface="微软雅黑" panose="020B0503020204020204" pitchFamily="34" charset="-122"/>
-                <a:ea typeface="微软雅黑" panose="020B0503020204020204" pitchFamily="34" charset="-122"/>
-              </a:rPr>
-              <a:t>、</a:t>
-            </a:r>
-            <a:r>
-              <a:rPr lang="en-US" altLang="zh-CN" sz="2000" b="1" dirty="0">
-                <a:solidFill>
-                  <a:schemeClr val="tx1">
-                    <a:lumMod val="75000"/>
-                    <a:lumOff val="25000"/>
-                  </a:schemeClr>
-                </a:solidFill>
-                <a:latin typeface="微软雅黑" panose="020B0503020204020204" pitchFamily="34" charset="-122"/>
-                <a:ea typeface="微软雅黑" panose="020B0503020204020204" pitchFamily="34" charset="-122"/>
-              </a:rPr>
-              <a:t>v-show</a:t>
-            </a:r>
-            <a:r>
-              <a:rPr lang="zh-CN" altLang="en-US" sz="2000" b="1" dirty="0">
-                <a:solidFill>
-                  <a:schemeClr val="tx1">
-                    <a:lumMod val="75000"/>
-                    <a:lumOff val="25000"/>
-                  </a:schemeClr>
-                </a:solidFill>
-                <a:latin typeface="微软雅黑" panose="020B0503020204020204" pitchFamily="34" charset="-122"/>
-                <a:ea typeface="微软雅黑" panose="020B0503020204020204" pitchFamily="34" charset="-122"/>
-              </a:rPr>
-              <a:t>、</a:t>
-            </a:r>
-            <a:r>
-              <a:rPr lang="en-US" altLang="zh-CN" sz="2000" b="1" dirty="0">
-                <a:solidFill>
-                  <a:schemeClr val="tx1">
-                    <a:lumMod val="75000"/>
-                    <a:lumOff val="25000"/>
-                  </a:schemeClr>
-                </a:solidFill>
-                <a:latin typeface="微软雅黑" panose="020B0503020204020204" pitchFamily="34" charset="-122"/>
-                <a:ea typeface="微软雅黑" panose="020B0503020204020204" pitchFamily="34" charset="-122"/>
-              </a:rPr>
-              <a:t>v-for</a:t>
-            </a:r>
-            <a:r>
-              <a:rPr lang="zh-CN" altLang="en-US" sz="2000" b="1" dirty="0">
-                <a:solidFill>
-                  <a:schemeClr val="tx1">
-                    <a:lumMod val="75000"/>
-                    <a:lumOff val="25000"/>
-                  </a:schemeClr>
-                </a:solidFill>
-                <a:latin typeface="微软雅黑" panose="020B0503020204020204" pitchFamily="34" charset="-122"/>
-                <a:ea typeface="微软雅黑" panose="020B0503020204020204" pitchFamily="34" charset="-122"/>
-              </a:rPr>
-              <a:t>、</a:t>
-            </a:r>
-            <a:r>
-              <a:rPr lang="en-US" altLang="zh-CN" sz="2000" b="1" dirty="0">
-                <a:solidFill>
-                  <a:schemeClr val="tx1">
-                    <a:lumMod val="75000"/>
-                    <a:lumOff val="25000"/>
-                  </a:schemeClr>
-                </a:solidFill>
-                <a:latin typeface="微软雅黑" panose="020B0503020204020204" pitchFamily="34" charset="-122"/>
-                <a:ea typeface="微软雅黑" panose="020B0503020204020204" pitchFamily="34" charset="-122"/>
-              </a:rPr>
-              <a:t>v-on</a:t>
-            </a:r>
-          </a:p>
-          <a:p>
-            <a:pPr algn="just" defTabSz="914377">
+              <a:t>概念：组件、模块、数据绑定、方法绑定</a:t>
+            </a:r>
+            <a:endParaRPr lang="en-US" altLang="zh-CN" sz="2000" b="1" dirty="0">
+              <a:solidFill>
+                <a:schemeClr val="tx1">
+                  <a:lumMod val="75000"/>
+                  <a:lumOff val="25000"/>
+                </a:schemeClr>
+              </a:solidFill>
+              <a:latin typeface="微软雅黑" panose="020B0503020204020204" pitchFamily="34" charset="-122"/>
+              <a:ea typeface="微软雅黑" panose="020B0503020204020204" pitchFamily="34" charset="-122"/>
+            </a:endParaRPr>
+          </a:p>
+          <a:p>
+            <a:pPr marL="457200" indent="-457200" algn="just" defTabSz="914377">
               <a:lnSpc>
                 <a:spcPts val="2000"/>
               </a:lnSpc>
               <a:buClr>
                 <a:srgbClr val="0070C0"/>
               </a:buClr>
+              <a:buFont typeface="+mj-lt"/>
+              <a:buAutoNum type="arabicPeriod"/>
               <a:defRPr/>
             </a:pPr>
             <a:endParaRPr lang="en-US" altLang="zh-CN" sz="2000" b="1" dirty="0">
@@ -9928,17 +10536,19 @@
             </a:endParaRPr>
           </a:p>
           <a:p>
-            <a:pPr algn="just" defTabSz="914377">
+            <a:pPr marL="457200" indent="-457200" algn="just" defTabSz="914377">
               <a:lnSpc>
                 <a:spcPts val="2000"/>
               </a:lnSpc>
               <a:buClr>
                 <a:srgbClr val="0070C0"/>
               </a:buClr>
+              <a:buFont typeface="+mj-lt"/>
+              <a:buAutoNum type="arabicPeriod"/>
               <a:defRPr/>
             </a:pPr>
             <a:r>
-              <a:rPr lang="en-US" altLang="zh-CN" sz="2000" b="1" dirty="0">
+              <a:rPr lang="zh-CN" altLang="en-US" sz="2000" b="1" dirty="0">
                 <a:solidFill>
                   <a:schemeClr val="tx1">
                     <a:lumMod val="75000"/>
@@ -9948,10 +10558,10 @@
                 <a:latin typeface="微软雅黑" panose="020B0503020204020204" pitchFamily="34" charset="-122"/>
                 <a:ea typeface="微软雅黑" panose="020B0503020204020204" pitchFamily="34" charset="-122"/>
               </a:rPr>
-              <a:t>2</a:t>
-            </a:r>
-            <a:r>
-              <a:rPr lang="zh-CN" altLang="en-US" sz="2000" b="1" dirty="0">
+              <a:t>指定： </a:t>
+            </a:r>
+            <a:r>
+              <a:rPr lang="en-US" altLang="zh-CN" sz="2000" b="1" dirty="0">
                 <a:solidFill>
                   <a:schemeClr val="tx1">
                     <a:lumMod val="75000"/>
@@ -9961,7 +10571,124 @@
                 <a:latin typeface="微软雅黑" panose="020B0503020204020204" pitchFamily="34" charset="-122"/>
                 <a:ea typeface="微软雅黑" panose="020B0503020204020204" pitchFamily="34" charset="-122"/>
               </a:rPr>
-              <a:t>、概念：组件、模块、数据绑定、方法绑定</a:t>
+              <a:t>v-bind</a:t>
+            </a:r>
+            <a:r>
+              <a:rPr lang="zh-CN" altLang="en-US" sz="2000" b="1" dirty="0">
+                <a:solidFill>
+                  <a:schemeClr val="tx1">
+                    <a:lumMod val="75000"/>
+                    <a:lumOff val="25000"/>
+                  </a:schemeClr>
+                </a:solidFill>
+                <a:latin typeface="微软雅黑" panose="020B0503020204020204" pitchFamily="34" charset="-122"/>
+                <a:ea typeface="微软雅黑" panose="020B0503020204020204" pitchFamily="34" charset="-122"/>
+              </a:rPr>
+              <a:t>、</a:t>
+            </a:r>
+            <a:r>
+              <a:rPr lang="en-US" altLang="zh-CN" sz="2000" b="1" dirty="0">
+                <a:solidFill>
+                  <a:schemeClr val="tx1">
+                    <a:lumMod val="75000"/>
+                    <a:lumOff val="25000"/>
+                  </a:schemeClr>
+                </a:solidFill>
+                <a:latin typeface="微软雅黑" panose="020B0503020204020204" pitchFamily="34" charset="-122"/>
+                <a:ea typeface="微软雅黑" panose="020B0503020204020204" pitchFamily="34" charset="-122"/>
+              </a:rPr>
+              <a:t>v-if</a:t>
+            </a:r>
+            <a:r>
+              <a:rPr lang="zh-CN" altLang="en-US" sz="2000" b="1" dirty="0">
+                <a:solidFill>
+                  <a:schemeClr val="tx1">
+                    <a:lumMod val="75000"/>
+                    <a:lumOff val="25000"/>
+                  </a:schemeClr>
+                </a:solidFill>
+                <a:latin typeface="微软雅黑" panose="020B0503020204020204" pitchFamily="34" charset="-122"/>
+                <a:ea typeface="微软雅黑" panose="020B0503020204020204" pitchFamily="34" charset="-122"/>
+              </a:rPr>
+              <a:t>、</a:t>
+            </a:r>
+            <a:r>
+              <a:rPr lang="en-US" altLang="zh-CN" sz="2000" b="1" dirty="0">
+                <a:solidFill>
+                  <a:schemeClr val="tx1">
+                    <a:lumMod val="75000"/>
+                    <a:lumOff val="25000"/>
+                  </a:schemeClr>
+                </a:solidFill>
+                <a:latin typeface="微软雅黑" panose="020B0503020204020204" pitchFamily="34" charset="-122"/>
+                <a:ea typeface="微软雅黑" panose="020B0503020204020204" pitchFamily="34" charset="-122"/>
+              </a:rPr>
+              <a:t>v-show</a:t>
+            </a:r>
+            <a:r>
+              <a:rPr lang="zh-CN" altLang="en-US" sz="2000" b="1" dirty="0">
+                <a:solidFill>
+                  <a:schemeClr val="tx1">
+                    <a:lumMod val="75000"/>
+                    <a:lumOff val="25000"/>
+                  </a:schemeClr>
+                </a:solidFill>
+                <a:latin typeface="微软雅黑" panose="020B0503020204020204" pitchFamily="34" charset="-122"/>
+                <a:ea typeface="微软雅黑" panose="020B0503020204020204" pitchFamily="34" charset="-122"/>
+              </a:rPr>
+              <a:t>、</a:t>
+            </a:r>
+            <a:r>
+              <a:rPr lang="en-US" altLang="zh-CN" sz="2000" b="1" dirty="0">
+                <a:solidFill>
+                  <a:schemeClr val="tx1">
+                    <a:lumMod val="75000"/>
+                    <a:lumOff val="25000"/>
+                  </a:schemeClr>
+                </a:solidFill>
+                <a:latin typeface="微软雅黑" panose="020B0503020204020204" pitchFamily="34" charset="-122"/>
+                <a:ea typeface="微软雅黑" panose="020B0503020204020204" pitchFamily="34" charset="-122"/>
+              </a:rPr>
+              <a:t>v-for</a:t>
+            </a:r>
+            <a:r>
+              <a:rPr lang="zh-CN" altLang="en-US" sz="2000" b="1" dirty="0">
+                <a:solidFill>
+                  <a:schemeClr val="tx1">
+                    <a:lumMod val="75000"/>
+                    <a:lumOff val="25000"/>
+                  </a:schemeClr>
+                </a:solidFill>
+                <a:latin typeface="微软雅黑" panose="020B0503020204020204" pitchFamily="34" charset="-122"/>
+                <a:ea typeface="微软雅黑" panose="020B0503020204020204" pitchFamily="34" charset="-122"/>
+              </a:rPr>
+              <a:t>、</a:t>
+            </a:r>
+            <a:r>
+              <a:rPr lang="en-US" altLang="zh-CN" sz="2000" b="1" dirty="0">
+                <a:solidFill>
+                  <a:schemeClr val="tx1">
+                    <a:lumMod val="75000"/>
+                    <a:lumOff val="25000"/>
+                  </a:schemeClr>
+                </a:solidFill>
+                <a:latin typeface="微软雅黑" panose="020B0503020204020204" pitchFamily="34" charset="-122"/>
+                <a:ea typeface="微软雅黑" panose="020B0503020204020204" pitchFamily="34" charset="-122"/>
+              </a:rPr>
+              <a:t>v-on</a:t>
+            </a:r>
+            <a:r>
+              <a:rPr lang="zh-CN" altLang="en-US" sz="2000" b="1" dirty="0">
+                <a:solidFill>
+                  <a:schemeClr val="tx1">
+                    <a:lumMod val="75000"/>
+                    <a:lumOff val="25000"/>
+                  </a:schemeClr>
+                </a:solidFill>
+                <a:latin typeface="微软雅黑" panose="020B0503020204020204" pitchFamily="34" charset="-122"/>
+                <a:ea typeface="微软雅黑" panose="020B0503020204020204" pitchFamily="34" charset="-122"/>
+              </a:rPr>
+              <a:t>（现场操练）</a:t>
             </a:r>
             <a:endParaRPr lang="en-US" altLang="zh-CN" sz="2000" b="1" dirty="0">
               <a:solidFill>
@@ -9975,13 +10702,15 @@
             </a:endParaRPr>
           </a:p>
           <a:p>
-            <a:pPr algn="just" defTabSz="914377">
+            <a:pPr marL="457200" indent="-457200" algn="just" defTabSz="914377">
               <a:lnSpc>
                 <a:spcPts val="2000"/>
               </a:lnSpc>
               <a:buClr>
                 <a:srgbClr val="0070C0"/>
               </a:buClr>
+              <a:buFont typeface="+mj-lt"/>
+              <a:buAutoNum type="arabicPeriod"/>
               <a:defRPr/>
             </a:pPr>
             <a:endParaRPr lang="en-US" altLang="zh-CN" sz="2000" b="1" dirty="0">
@@ -9996,17 +10725,19 @@
             </a:endParaRPr>
           </a:p>
           <a:p>
-            <a:pPr algn="just" defTabSz="914377">
+            <a:pPr marL="457200" indent="-457200" algn="just" defTabSz="914377">
               <a:lnSpc>
                 <a:spcPts val="2000"/>
               </a:lnSpc>
               <a:buClr>
                 <a:srgbClr val="0070C0"/>
               </a:buClr>
+              <a:buFont typeface="+mj-lt"/>
+              <a:buAutoNum type="arabicPeriod"/>
               <a:defRPr/>
             </a:pPr>
             <a:r>
-              <a:rPr lang="en-US" altLang="zh-CN" sz="2000" b="1" dirty="0">
+              <a:rPr lang="zh-CN" altLang="en-US" sz="2000" b="1" dirty="0">
                 <a:solidFill>
                   <a:schemeClr val="tx1">
                     <a:lumMod val="75000"/>
@@ -10016,10 +10747,10 @@
                 <a:latin typeface="微软雅黑" panose="020B0503020204020204" pitchFamily="34" charset="-122"/>
                 <a:ea typeface="微软雅黑" panose="020B0503020204020204" pitchFamily="34" charset="-122"/>
               </a:rPr>
-              <a:t>3</a:t>
-            </a:r>
-            <a:r>
-              <a:rPr lang="zh-CN" altLang="en-US" sz="2000" b="1" dirty="0">
+              <a:t>双向数据绑定：</a:t>
+            </a:r>
+            <a:r>
+              <a:rPr lang="en-US" altLang="zh-CN" sz="2000" b="1" dirty="0">
                 <a:solidFill>
                   <a:schemeClr val="tx1">
                     <a:lumMod val="75000"/>
@@ -10029,10 +10760,10 @@
                 <a:latin typeface="微软雅黑" panose="020B0503020204020204" pitchFamily="34" charset="-122"/>
                 <a:ea typeface="微软雅黑" panose="020B0503020204020204" pitchFamily="34" charset="-122"/>
               </a:rPr>
-              <a:t>、双向数据绑定：</a:t>
-            </a:r>
-            <a:r>
-              <a:rPr lang="en-US" altLang="zh-CN" sz="2000" b="1" dirty="0">
+              <a:t>v-model</a:t>
+            </a:r>
+            <a:r>
+              <a:rPr lang="zh-CN" altLang="en-US" sz="2000" b="1" dirty="0">
                 <a:solidFill>
                   <a:schemeClr val="tx1">
                     <a:lumMod val="75000"/>
@@ -10042,8 +10773,58 @@
                 <a:latin typeface="微软雅黑" panose="020B0503020204020204" pitchFamily="34" charset="-122"/>
                 <a:ea typeface="微软雅黑" panose="020B0503020204020204" pitchFamily="34" charset="-122"/>
               </a:rPr>
-              <a:t>v-model</a:t>
-            </a:r>
+              <a:t> （现场操练）</a:t>
+            </a:r>
+            <a:endParaRPr lang="en-US" altLang="zh-CN" sz="2000" b="1" dirty="0">
+              <a:solidFill>
+                <a:schemeClr val="tx1">
+                  <a:lumMod val="75000"/>
+                  <a:lumOff val="25000"/>
+                </a:schemeClr>
+              </a:solidFill>
+              <a:latin typeface="微软雅黑" panose="020B0503020204020204" pitchFamily="34" charset="-122"/>
+              <a:ea typeface="微软雅黑" panose="020B0503020204020204" pitchFamily="34" charset="-122"/>
+            </a:endParaRPr>
+          </a:p>
+        </p:txBody>
+      </p:sp>
+      <p:sp>
+        <p:nvSpPr>
+          <p:cNvPr id="9" name="文本框 8">
+            <a:extLst>
+              <a:ext uri="{FF2B5EF4-FFF2-40B4-BE49-F238E27FC236}">
+                <a16:creationId xmlns:a16="http://schemas.microsoft.com/office/drawing/2014/main" id="{A4F707C6-91FB-4E5C-BAAE-84DF3A2AC3DA}"/>
+              </a:ext>
+            </a:extLst>
+          </p:cNvPr>
+          <p:cNvSpPr txBox="1"/>
+          <p:nvPr/>
+        </p:nvSpPr>
+        <p:spPr>
+          <a:xfrm>
+            <a:off x="10719715" y="6007631"/>
+            <a:ext cx="880369" cy="369332"/>
+          </a:xfrm>
+          <a:prstGeom prst="rect">
+            <a:avLst/>
+          </a:prstGeom>
+          <a:noFill/>
+        </p:spPr>
+        <p:txBody>
+          <a:bodyPr wrap="none" rtlCol="0">
+            <a:spAutoFit/>
+          </a:bodyPr>
+          <a:lstStyle/>
+          <a:p>
+            <a:r>
+              <a:rPr lang="en-US" altLang="zh-CN" dirty="0"/>
+              <a:t>20</a:t>
+            </a:r>
+            <a:r>
+              <a:rPr lang="zh-CN" altLang="en-US" dirty="0"/>
+              <a:t>分钟</a:t>
+            </a:r>
+            <a:endParaRPr lang="en-US" dirty="0"/>
           </a:p>
         </p:txBody>
       </p:sp>
@@ -10164,7 +10945,7 @@
                                           </p:stCondLst>
                                         </p:cTn>
                                         <p:tgtEl>
-                                          <p:spTgt spid="21"/>
+                                          <p:spTgt spid="6"/>
                                         </p:tgtEl>
                                         <p:attrNameLst>
                                           <p:attrName>style.visibility</p:attrName>
@@ -10178,7 +10959,7 @@
                                       <p:cBhvr additive="base">
                                         <p:cTn id="11" dur="500"/>
                                         <p:tgtEl>
-                                          <p:spTgt spid="21"/>
+                                          <p:spTgt spid="6"/>
                                         </p:tgtEl>
                                         <p:attrNameLst>
                                           <p:attrName>ppt_x</p:attrName>
@@ -10201,7 +10982,7 @@
                                       <p:cBhvr>
                                         <p:cTn id="12" dur="500"/>
                                         <p:tgtEl>
-                                          <p:spTgt spid="21"/>
+                                          <p:spTgt spid="6"/>
                                         </p:tgtEl>
                                       </p:cBhvr>
                                     </p:animEffect>
@@ -10222,7 +11003,7 @@
                                           </p:stCondLst>
                                         </p:cTn>
                                         <p:tgtEl>
-                                          <p:spTgt spid="6"/>
+                                          <p:spTgt spid="7"/>
                                         </p:tgtEl>
                                         <p:attrNameLst>
                                           <p:attrName>style.visibility</p:attrName>
@@ -10236,7 +11017,7 @@
                                       <p:cBhvr additive="base">
                                         <p:cTn id="15" dur="500"/>
                                         <p:tgtEl>
-                                          <p:spTgt spid="6"/>
+                                          <p:spTgt spid="7"/>
                                         </p:tgtEl>
                                         <p:attrNameLst>
                                           <p:attrName>ppt_x</p:attrName>
@@ -10259,7 +11040,7 @@
                                       <p:cBhvr>
                                         <p:cTn id="16" dur="500"/>
                                         <p:tgtEl>
-                                          <p:spTgt spid="6"/>
+                                          <p:spTgt spid="7"/>
                                         </p:tgtEl>
                                       </p:cBhvr>
                                     </p:animEffect>
@@ -10280,7 +11061,7 @@
                                           </p:stCondLst>
                                         </p:cTn>
                                         <p:tgtEl>
-                                          <p:spTgt spid="7"/>
+                                          <p:spTgt spid="8"/>
                                         </p:tgtEl>
                                         <p:attrNameLst>
                                           <p:attrName>style.visibility</p:attrName>
@@ -10293,64 +11074,6 @@
                                     <p:anim calcmode="lin" valueType="num">
                                       <p:cBhvr additive="base">
                                         <p:cTn id="19" dur="500"/>
-                                        <p:tgtEl>
-                                          <p:spTgt spid="7"/>
-                                        </p:tgtEl>
-                                        <p:attrNameLst>
-                                          <p:attrName>ppt_x</p:attrName>
-                                        </p:attrNameLst>
-                                      </p:cBhvr>
-                                      <p:tavLst>
-                                        <p:tav tm="0">
-                                          <p:val>
-                                            <p:strVal val="#ppt_x-#ppt_w*1.125000"/>
-                                          </p:val>
-                                        </p:tav>
-                                        <p:tav tm="100000">
-                                          <p:val>
-                                            <p:strVal val="#ppt_x"/>
-                                          </p:val>
-                                        </p:tav>
-                                      </p:tavLst>
-                                    </p:anim>
-                                    <p:animEffect transition="in" filter="wipe(right)">
-                                      <p:cBhvr>
-                                        <p:cTn id="20" dur="500"/>
-                                        <p:tgtEl>
-                                          <p:spTgt spid="7"/>
-                                        </p:tgtEl>
-                                      </p:cBhvr>
-                                    </p:animEffect>
-                                  </p:childTnLst>
-                                </p:cTn>
-                              </p:par>
-                              <p:par>
-                                <p:cTn id="21" presetID="12" presetClass="entr" presetSubtype="8" fill="hold" grpId="0" nodeType="withEffect">
-                                  <p:stCondLst>
-                                    <p:cond delay="1100"/>
-                                  </p:stCondLst>
-                                  <p:childTnLst>
-                                    <p:set>
-                                      <p:cBhvr>
-                                        <p:cTn id="22" dur="1" fill="hold">
-                                          <p:stCondLst>
-                                            <p:cond delay="0"/>
-                                          </p:stCondLst>
-                                        </p:cTn>
-                                        <p:tgtEl>
-                                          <p:spTgt spid="8"/>
-                                        </p:tgtEl>
-                                        <p:attrNameLst>
-                                          <p:attrName>style.visibility</p:attrName>
-                                        </p:attrNameLst>
-                                      </p:cBhvr>
-                                      <p:to>
-                                        <p:strVal val="visible"/>
-                                      </p:to>
-                                    </p:set>
-                                    <p:anim calcmode="lin" valueType="num">
-                                      <p:cBhvr additive="base">
-                                        <p:cTn id="23" dur="500"/>
                                         <p:tgtEl>
                                           <p:spTgt spid="8"/>
                                         </p:tgtEl>
@@ -10373,7 +11096,7 @@
                                     </p:anim>
                                     <p:animEffect transition="in" filter="wipe(right)">
                                       <p:cBhvr>
-                                        <p:cTn id="24" dur="500"/>
+                                        <p:cTn id="20" dur="500"/>
                                         <p:tgtEl>
                                           <p:spTgt spid="8"/>
                                         </p:tgtEl>
@@ -10410,7 +11133,6 @@
       </p:par>
     </p:tnLst>
     <p:bldLst>
-      <p:bldP spid="21" grpId="0"/>
       <p:bldP spid="26" grpId="0"/>
       <p:bldP spid="6" grpId="0"/>
       <p:bldP spid="7" grpId="0"/>
@@ -10612,6 +11334,27 @@
               </a:buClr>
               <a:defRPr/>
             </a:pPr>
+            <a:endParaRPr lang="en-US" altLang="zh-CN" b="1" dirty="0">
+              <a:solidFill>
+                <a:schemeClr val="tx1">
+                  <a:lumMod val="75000"/>
+                  <a:lumOff val="25000"/>
+                </a:schemeClr>
+              </a:solidFill>
+              <a:latin typeface="微软雅黑" panose="020B0503020204020204" pitchFamily="34" charset="-122"/>
+              <a:ea typeface="微软雅黑" panose="020B0503020204020204" pitchFamily="34" charset="-122"/>
+            </a:endParaRPr>
+          </a:p>
+          <a:p>
+            <a:pPr algn="just" defTabSz="914377">
+              <a:lnSpc>
+                <a:spcPts val="2000"/>
+              </a:lnSpc>
+              <a:buClr>
+                <a:srgbClr val="0070C0"/>
+              </a:buClr>
+              <a:defRPr/>
+            </a:pPr>
             <a:r>
               <a:rPr lang="en-US" altLang="zh-CN" b="1" dirty="0">
                 <a:solidFill>
@@ -10636,7 +11379,7 @@
                 <a:latin typeface="微软雅黑" panose="020B0503020204020204" pitchFamily="34" charset="-122"/>
                 <a:ea typeface="微软雅黑" panose="020B0503020204020204" pitchFamily="34" charset="-122"/>
               </a:rPr>
-              <a:t>、使用方式</a:t>
+              <a:t>、使用方式（现场操练）</a:t>
             </a:r>
             <a:endParaRPr lang="en-US" altLang="zh-CN" b="1" dirty="0">
               <a:solidFill>
@@ -10701,27 +11444,6 @@
               </a:buClr>
               <a:defRPr/>
             </a:pPr>
-            <a:endParaRPr lang="en-US" altLang="zh-CN" b="1" dirty="0">
-              <a:solidFill>
-                <a:schemeClr val="tx1">
-                  <a:lumMod val="75000"/>
-                  <a:lumOff val="25000"/>
-                </a:schemeClr>
-              </a:solidFill>
-              <a:latin typeface="微软雅黑" panose="020B0503020204020204" pitchFamily="34" charset="-122"/>
-              <a:ea typeface="微软雅黑" panose="020B0503020204020204" pitchFamily="34" charset="-122"/>
-            </a:endParaRPr>
-          </a:p>
-          <a:p>
-            <a:pPr algn="just" defTabSz="914377">
-              <a:lnSpc>
-                <a:spcPts val="2000"/>
-              </a:lnSpc>
-              <a:buClr>
-                <a:srgbClr val="0070C0"/>
-              </a:buClr>
-              <a:defRPr/>
-            </a:pPr>
             <a:r>
               <a:rPr lang="en-US" altLang="zh-CN" b="1" dirty="0">
                 <a:solidFill>
@@ -10746,7 +11468,7 @@
                 <a:latin typeface="微软雅黑" panose="020B0503020204020204" pitchFamily="34" charset="-122"/>
                 <a:ea typeface="微软雅黑" panose="020B0503020204020204" pitchFamily="34" charset="-122"/>
               </a:rPr>
-              <a:t>、数据使用</a:t>
+              <a:t>、数据使用（现场操练）</a:t>
             </a:r>
             <a:endParaRPr lang="en-US" altLang="zh-CN" b="1" dirty="0">
               <a:solidFill>
@@ -10832,46 +11554,7 @@
               </a:buClr>
               <a:defRPr/>
             </a:pPr>
-            <a:r>
-              <a:rPr lang="en-US" altLang="zh-CN" b="1" dirty="0">
-                <a:solidFill>
-                  <a:schemeClr val="tx1">
-                    <a:lumMod val="75000"/>
-                    <a:lumOff val="25000"/>
-                  </a:schemeClr>
-                </a:solidFill>
-                <a:latin typeface="微软雅黑" panose="020B0503020204020204" pitchFamily="34" charset="-122"/>
-                <a:ea typeface="微软雅黑" panose="020B0503020204020204" pitchFamily="34" charset="-122"/>
-              </a:rPr>
-              <a:t>3</a:t>
-            </a:r>
-            <a:r>
-              <a:rPr lang="zh-CN" altLang="en-US" b="1" dirty="0">
-                <a:solidFill>
-                  <a:schemeClr val="tx1">
-                    <a:lumMod val="75000"/>
-                    <a:lumOff val="25000"/>
-                  </a:schemeClr>
-                </a:solidFill>
-                <a:latin typeface="微软雅黑" panose="020B0503020204020204" pitchFamily="34" charset="-122"/>
-                <a:ea typeface="微软雅黑" panose="020B0503020204020204" pitchFamily="34" charset="-122"/>
-              </a:rPr>
-              <a:t>、单表页面</a:t>
-            </a:r>
-            <a:r>
-              <a:rPr lang="en-US" altLang="zh-CN" b="1" dirty="0">
-                <a:solidFill>
-                  <a:schemeClr val="tx1">
-                    <a:lumMod val="75000"/>
-                    <a:lumOff val="25000"/>
-                  </a:schemeClr>
-                </a:solidFill>
-                <a:latin typeface="微软雅黑" panose="020B0503020204020204" pitchFamily="34" charset="-122"/>
-                <a:ea typeface="微软雅黑" panose="020B0503020204020204" pitchFamily="34" charset="-122"/>
-              </a:rPr>
-              <a:t>demo</a:t>
-            </a:r>
-            <a:endParaRPr lang="zh-CN" altLang="en-US" b="1" dirty="0">
+            <a:endParaRPr lang="en-US" altLang="zh-CN" b="1" dirty="0">
               <a:solidFill>
                 <a:schemeClr val="tx1">
                   <a:lumMod val="75000"/>
@@ -10942,6 +11625,46 @@
               <a:t>https://element.eleme.cn/#/zh-CN</a:t>
             </a:r>
             <a:endParaRPr lang="zh-CN" altLang="en-US" sz="2000" dirty="0"/>
+          </a:p>
+        </p:txBody>
+      </p:sp>
+      <p:sp>
+        <p:nvSpPr>
+          <p:cNvPr id="4" name="文本框 3">
+            <a:extLst>
+              <a:ext uri="{FF2B5EF4-FFF2-40B4-BE49-F238E27FC236}">
+                <a16:creationId xmlns:a16="http://schemas.microsoft.com/office/drawing/2014/main" id="{72AAA765-941E-4BEC-907B-E2E01898B4C1}"/>
+              </a:ext>
+            </a:extLst>
+          </p:cNvPr>
+          <p:cNvSpPr txBox="1"/>
+          <p:nvPr/>
+        </p:nvSpPr>
+        <p:spPr>
+          <a:xfrm>
+            <a:off x="10719715" y="6007631"/>
+            <a:ext cx="880369" cy="369332"/>
+          </a:xfrm>
+          <a:prstGeom prst="rect">
+            <a:avLst/>
+          </a:prstGeom>
+          <a:noFill/>
+        </p:spPr>
+        <p:txBody>
+          <a:bodyPr wrap="none" rtlCol="0">
+            <a:spAutoFit/>
+          </a:bodyPr>
+          <a:lstStyle/>
+          <a:p>
+            <a:r>
+              <a:rPr lang="en-US" altLang="zh-CN" dirty="0"/>
+              <a:t>15</a:t>
+            </a:r>
+            <a:r>
+              <a:rPr lang="zh-CN" altLang="en-US" dirty="0"/>
+              <a:t>分钟</a:t>
+            </a:r>
+            <a:endParaRPr lang="en-US" dirty="0"/>
           </a:p>
         </p:txBody>
       </p:sp>
@@ -11110,7 +11833,7 @@
         <p:spPr bwMode="auto">
           <a:xfrm>
             <a:off x="753399" y="1447499"/>
-            <a:ext cx="9444197" cy="3939540"/>
+            <a:ext cx="9444197" cy="5221942"/>
           </a:xfrm>
           <a:prstGeom prst="rect">
             <a:avLst/>
@@ -11178,7 +11901,7 @@
                 <a:latin typeface="微软雅黑" panose="020B0503020204020204" pitchFamily="34" charset="-122"/>
                 <a:ea typeface="微软雅黑" panose="020B0503020204020204" pitchFamily="34" charset="-122"/>
               </a:rPr>
-              <a:t>、封装自定义组件</a:t>
+              <a:t>、自定义组件的概念</a:t>
             </a:r>
             <a:endParaRPr lang="en-US" altLang="zh-CN" b="1" dirty="0">
               <a:solidFill>
@@ -11243,6 +11966,27 @@
               </a:buClr>
               <a:defRPr/>
             </a:pPr>
+            <a:endParaRPr lang="en-US" altLang="zh-CN" b="1" dirty="0">
+              <a:solidFill>
+                <a:schemeClr val="tx1">
+                  <a:lumMod val="75000"/>
+                  <a:lumOff val="25000"/>
+                </a:schemeClr>
+              </a:solidFill>
+              <a:latin typeface="微软雅黑" panose="020B0503020204020204" pitchFamily="34" charset="-122"/>
+              <a:ea typeface="微软雅黑" panose="020B0503020204020204" pitchFamily="34" charset="-122"/>
+            </a:endParaRPr>
+          </a:p>
+          <a:p>
+            <a:pPr algn="just" defTabSz="914377">
+              <a:lnSpc>
+                <a:spcPts val="2000"/>
+              </a:lnSpc>
+              <a:buClr>
+                <a:srgbClr val="0070C0"/>
+              </a:buClr>
+              <a:defRPr/>
+            </a:pPr>
             <a:r>
               <a:rPr lang="en-US" altLang="zh-CN" b="1" dirty="0">
                 <a:solidFill>
@@ -11387,6 +12131,27 @@
               </a:buClr>
               <a:defRPr/>
             </a:pPr>
+            <a:endParaRPr lang="en-US" altLang="zh-CN" b="1" dirty="0">
+              <a:solidFill>
+                <a:schemeClr val="tx1">
+                  <a:lumMod val="75000"/>
+                  <a:lumOff val="25000"/>
+                </a:schemeClr>
+              </a:solidFill>
+              <a:latin typeface="微软雅黑" panose="020B0503020204020204" pitchFamily="34" charset="-122"/>
+              <a:ea typeface="微软雅黑" panose="020B0503020204020204" pitchFamily="34" charset="-122"/>
+            </a:endParaRPr>
+          </a:p>
+          <a:p>
+            <a:pPr algn="just" defTabSz="914377">
+              <a:lnSpc>
+                <a:spcPts val="2000"/>
+              </a:lnSpc>
+              <a:buClr>
+                <a:srgbClr val="0070C0"/>
+              </a:buClr>
+              <a:defRPr/>
+            </a:pPr>
             <a:r>
               <a:rPr lang="en-US" altLang="zh-CN" b="1" dirty="0">
                 <a:solidFill>
@@ -11529,59 +12294,7 @@
                 <a:latin typeface="微软雅黑" panose="020B0503020204020204" pitchFamily="34" charset="-122"/>
                 <a:ea typeface="微软雅黑" panose="020B0503020204020204" pitchFamily="34" charset="-122"/>
               </a:rPr>
-              <a:t>、浏览器</a:t>
-            </a:r>
-            <a:r>
-              <a:rPr lang="en-US" altLang="zh-CN" b="1" dirty="0">
-                <a:solidFill>
-                  <a:schemeClr val="tx1">
-                    <a:lumMod val="75000"/>
-                    <a:lumOff val="25000"/>
-                  </a:schemeClr>
-                </a:solidFill>
-                <a:latin typeface="微软雅黑" panose="020B0503020204020204" pitchFamily="34" charset="-122"/>
-                <a:ea typeface="微软雅黑" panose="020B0503020204020204" pitchFamily="34" charset="-122"/>
-              </a:rPr>
-              <a:t>JS</a:t>
-            </a:r>
-            <a:r>
-              <a:rPr lang="zh-CN" altLang="en-US" b="1" dirty="0">
-                <a:solidFill>
-                  <a:schemeClr val="tx1">
-                    <a:lumMod val="75000"/>
-                    <a:lumOff val="25000"/>
-                  </a:schemeClr>
-                </a:solidFill>
-                <a:latin typeface="微软雅黑" panose="020B0503020204020204" pitchFamily="34" charset="-122"/>
-                <a:ea typeface="微软雅黑" panose="020B0503020204020204" pitchFamily="34" charset="-122"/>
-              </a:rPr>
-              <a:t>兼容：</a:t>
-            </a:r>
-            <a:r>
-              <a:rPr lang="en-US" altLang="zh-CN" b="1" dirty="0">
-                <a:solidFill>
-                  <a:schemeClr val="tx1">
-                    <a:lumMod val="75000"/>
-                    <a:lumOff val="25000"/>
-                  </a:schemeClr>
-                </a:solidFill>
-                <a:latin typeface="微软雅黑" panose="020B0503020204020204" pitchFamily="34" charset="-122"/>
-                <a:ea typeface="微软雅黑" panose="020B0503020204020204" pitchFamily="34" charset="-122"/>
-              </a:rPr>
-              <a:t>es6 </a:t>
-            </a:r>
-            <a:r>
-              <a:rPr lang="zh-CN" altLang="en-US" b="1" dirty="0">
-                <a:solidFill>
-                  <a:schemeClr val="tx1">
-                    <a:lumMod val="75000"/>
-                    <a:lumOff val="25000"/>
-                  </a:schemeClr>
-                </a:solidFill>
-                <a:latin typeface="微软雅黑" panose="020B0503020204020204" pitchFamily="34" charset="-122"/>
-                <a:ea typeface="微软雅黑" panose="020B0503020204020204" pitchFamily="34" charset="-122"/>
-              </a:rPr>
-              <a:t>语法</a:t>
+              <a:t>、封装步骤</a:t>
             </a:r>
             <a:endParaRPr lang="en-US" altLang="zh-CN" b="1" dirty="0">
               <a:solidFill>
@@ -11625,27 +12338,6 @@
               </a:buClr>
               <a:defRPr/>
             </a:pPr>
-            <a:endParaRPr lang="en-US" altLang="zh-CN" b="1" dirty="0">
-              <a:solidFill>
-                <a:schemeClr val="tx1">
-                  <a:lumMod val="75000"/>
-                  <a:lumOff val="25000"/>
-                </a:schemeClr>
-              </a:solidFill>
-              <a:latin typeface="微软雅黑" panose="020B0503020204020204" pitchFamily="34" charset="-122"/>
-              <a:ea typeface="微软雅黑" panose="020B0503020204020204" pitchFamily="34" charset="-122"/>
-            </a:endParaRPr>
-          </a:p>
-          <a:p>
-            <a:pPr algn="just" defTabSz="914377">
-              <a:lnSpc>
-                <a:spcPts val="2000"/>
-              </a:lnSpc>
-              <a:buClr>
-                <a:srgbClr val="0070C0"/>
-              </a:buClr>
-              <a:defRPr/>
-            </a:pPr>
             <a:r>
               <a:rPr lang="en-US" altLang="zh-CN" b="1" dirty="0">
                 <a:solidFill>
@@ -11657,7 +12349,7 @@
                 <a:latin typeface="微软雅黑" panose="020B0503020204020204" pitchFamily="34" charset="-122"/>
                 <a:ea typeface="微软雅黑" panose="020B0503020204020204" pitchFamily="34" charset="-122"/>
               </a:rPr>
-              <a:t>5</a:t>
+              <a:t>     </a:t>
             </a:r>
             <a:r>
               <a:rPr lang="zh-CN" altLang="en-US" b="1" dirty="0">
@@ -11670,10 +12362,10 @@
                 <a:latin typeface="微软雅黑" panose="020B0503020204020204" pitchFamily="34" charset="-122"/>
                 <a:ea typeface="微软雅黑" panose="020B0503020204020204" pitchFamily="34" charset="-122"/>
               </a:rPr>
-              <a:t>、浏览器</a:t>
-            </a:r>
-            <a:r>
-              <a:rPr lang="en-US" altLang="zh-CN" b="1" dirty="0">
+              <a:t>第一步：实现  </a:t>
+            </a:r>
+            <a:r>
+              <a:rPr lang="en-US" altLang="zh-CN" b="1" dirty="0" err="1">
                 <a:solidFill>
                   <a:schemeClr val="tx1">
                     <a:lumMod val="75000"/>
@@ -11683,10 +12375,10 @@
                 <a:latin typeface="微软雅黑" panose="020B0503020204020204" pitchFamily="34" charset="-122"/>
                 <a:ea typeface="微软雅黑" panose="020B0503020204020204" pitchFamily="34" charset="-122"/>
               </a:rPr>
-              <a:t>JS</a:t>
-            </a:r>
-            <a:r>
-              <a:rPr lang="zh-CN" altLang="en-US" b="1" dirty="0">
+              <a:t>Vue.component</a:t>
+            </a:r>
+            <a:r>
+              <a:rPr lang="en-US" altLang="zh-CN" b="1" dirty="0">
                 <a:solidFill>
                   <a:schemeClr val="tx1">
                     <a:lumMod val="75000"/>
@@ -11696,18 +12388,8 @@
                 <a:latin typeface="微软雅黑" panose="020B0503020204020204" pitchFamily="34" charset="-122"/>
                 <a:ea typeface="微软雅黑" panose="020B0503020204020204" pitchFamily="34" charset="-122"/>
               </a:rPr>
-              <a:t>兼容解决方案</a:t>
-            </a:r>
-            <a:endParaRPr lang="en-US" altLang="zh-CN" b="1" dirty="0">
-              <a:solidFill>
-                <a:schemeClr val="tx1">
-                  <a:lumMod val="75000"/>
-                  <a:lumOff val="25000"/>
-                </a:schemeClr>
-              </a:solidFill>
-              <a:latin typeface="微软雅黑" panose="020B0503020204020204" pitchFamily="34" charset="-122"/>
-              <a:ea typeface="微软雅黑" panose="020B0503020204020204" pitchFamily="34" charset="-122"/>
-            </a:endParaRPr>
+              <a:t>(‘name’, object)</a:t>
+            </a:r>
           </a:p>
           <a:p>
             <a:pPr algn="just" defTabSz="914377">
@@ -11740,7 +12422,273 @@
               </a:buClr>
               <a:defRPr/>
             </a:pPr>
-            <a:endParaRPr lang="en-US" altLang="zh-CN" dirty="0">
+            <a:r>
+              <a:rPr lang="zh-CN" altLang="en-US" b="1" dirty="0">
+                <a:solidFill>
+                  <a:schemeClr val="tx1">
+                    <a:lumMod val="75000"/>
+                    <a:lumOff val="25000"/>
+                  </a:schemeClr>
+                </a:solidFill>
+                <a:latin typeface="微软雅黑" panose="020B0503020204020204" pitchFamily="34" charset="-122"/>
+                <a:ea typeface="微软雅黑" panose="020B0503020204020204" pitchFamily="34" charset="-122"/>
+              </a:rPr>
+              <a:t>     第二步：实现 </a:t>
+            </a:r>
+            <a:r>
+              <a:rPr lang="en-US" altLang="zh-CN" b="1" dirty="0">
+                <a:solidFill>
+                  <a:schemeClr val="tx1">
+                    <a:lumMod val="75000"/>
+                    <a:lumOff val="25000"/>
+                  </a:schemeClr>
+                </a:solidFill>
+                <a:latin typeface="微软雅黑" panose="020B0503020204020204" pitchFamily="34" charset="-122"/>
+                <a:ea typeface="微软雅黑" panose="020B0503020204020204" pitchFamily="34" charset="-122"/>
+              </a:rPr>
+              <a:t>object</a:t>
+            </a:r>
+            <a:r>
+              <a:rPr lang="zh-CN" altLang="en-US" b="1" dirty="0">
+                <a:solidFill>
+                  <a:schemeClr val="tx1">
+                    <a:lumMod val="75000"/>
+                    <a:lumOff val="25000"/>
+                  </a:schemeClr>
+                </a:solidFill>
+                <a:latin typeface="微软雅黑" panose="020B0503020204020204" pitchFamily="34" charset="-122"/>
+                <a:ea typeface="微软雅黑" panose="020B0503020204020204" pitchFamily="34" charset="-122"/>
+              </a:rPr>
+              <a:t>中的属性，</a:t>
+            </a:r>
+            <a:r>
+              <a:rPr lang="en-US" altLang="zh-CN" b="1" dirty="0">
+                <a:solidFill>
+                  <a:schemeClr val="tx1">
+                    <a:lumMod val="75000"/>
+                    <a:lumOff val="25000"/>
+                  </a:schemeClr>
+                </a:solidFill>
+                <a:latin typeface="微软雅黑" panose="020B0503020204020204" pitchFamily="34" charset="-122"/>
+                <a:ea typeface="微软雅黑" panose="020B0503020204020204" pitchFamily="34" charset="-122"/>
+              </a:rPr>
+              <a:t> template</a:t>
+            </a:r>
+            <a:r>
+              <a:rPr lang="zh-CN" altLang="en-US" b="1" dirty="0">
+                <a:solidFill>
+                  <a:schemeClr val="tx1">
+                    <a:lumMod val="75000"/>
+                    <a:lumOff val="25000"/>
+                  </a:schemeClr>
+                </a:solidFill>
+                <a:latin typeface="微软雅黑" panose="020B0503020204020204" pitchFamily="34" charset="-122"/>
+                <a:ea typeface="微软雅黑" panose="020B0503020204020204" pitchFamily="34" charset="-122"/>
+              </a:rPr>
+              <a:t>、</a:t>
+            </a:r>
+            <a:r>
+              <a:rPr lang="en-US" altLang="zh-CN" b="1" dirty="0">
+                <a:solidFill>
+                  <a:schemeClr val="tx1">
+                    <a:lumMod val="75000"/>
+                    <a:lumOff val="25000"/>
+                  </a:schemeClr>
+                </a:solidFill>
+                <a:latin typeface="微软雅黑" panose="020B0503020204020204" pitchFamily="34" charset="-122"/>
+                <a:ea typeface="微软雅黑" panose="020B0503020204020204" pitchFamily="34" charset="-122"/>
+              </a:rPr>
+              <a:t> </a:t>
+            </a:r>
+            <a:r>
+              <a:rPr lang="en-US" altLang="zh-CN" b="1" dirty="0" err="1">
+                <a:solidFill>
+                  <a:schemeClr val="tx1">
+                    <a:lumMod val="75000"/>
+                    <a:lumOff val="25000"/>
+                  </a:schemeClr>
+                </a:solidFill>
+                <a:latin typeface="微软雅黑" panose="020B0503020204020204" pitchFamily="34" charset="-122"/>
+                <a:ea typeface="微软雅黑" panose="020B0503020204020204" pitchFamily="34" charset="-122"/>
+              </a:rPr>
+              <a:t>porps</a:t>
+            </a:r>
+            <a:endParaRPr lang="en-US" altLang="zh-CN" b="1" dirty="0">
+              <a:solidFill>
+                <a:schemeClr val="tx1">
+                  <a:lumMod val="75000"/>
+                  <a:lumOff val="25000"/>
+                </a:schemeClr>
+              </a:solidFill>
+              <a:latin typeface="微软雅黑" panose="020B0503020204020204" pitchFamily="34" charset="-122"/>
+              <a:ea typeface="微软雅黑" panose="020B0503020204020204" pitchFamily="34" charset="-122"/>
+            </a:endParaRPr>
+          </a:p>
+          <a:p>
+            <a:pPr algn="just" defTabSz="914377">
+              <a:lnSpc>
+                <a:spcPts val="2000"/>
+              </a:lnSpc>
+              <a:buClr>
+                <a:srgbClr val="0070C0"/>
+              </a:buClr>
+              <a:defRPr/>
+            </a:pPr>
+            <a:endParaRPr lang="en-US" altLang="zh-CN" b="1" dirty="0">
+              <a:solidFill>
+                <a:schemeClr val="tx1">
+                  <a:lumMod val="75000"/>
+                  <a:lumOff val="25000"/>
+                </a:schemeClr>
+              </a:solidFill>
+              <a:latin typeface="微软雅黑" panose="020B0503020204020204" pitchFamily="34" charset="-122"/>
+              <a:ea typeface="微软雅黑" panose="020B0503020204020204" pitchFamily="34" charset="-122"/>
+            </a:endParaRPr>
+          </a:p>
+          <a:p>
+            <a:pPr algn="just" defTabSz="914377">
+              <a:lnSpc>
+                <a:spcPts val="2000"/>
+              </a:lnSpc>
+              <a:buClr>
+                <a:srgbClr val="0070C0"/>
+              </a:buClr>
+              <a:defRPr/>
+            </a:pPr>
+            <a:r>
+              <a:rPr lang="en-US" altLang="zh-CN" b="1" dirty="0">
+                <a:solidFill>
+                  <a:schemeClr val="tx1">
+                    <a:lumMod val="75000"/>
+                    <a:lumOff val="25000"/>
+                  </a:schemeClr>
+                </a:solidFill>
+                <a:latin typeface="微软雅黑" panose="020B0503020204020204" pitchFamily="34" charset="-122"/>
+                <a:ea typeface="微软雅黑" panose="020B0503020204020204" pitchFamily="34" charset="-122"/>
+              </a:rPr>
+              <a:t>     </a:t>
+            </a:r>
+            <a:r>
+              <a:rPr lang="zh-CN" altLang="en-US" b="1" dirty="0">
+                <a:solidFill>
+                  <a:schemeClr val="tx1">
+                    <a:lumMod val="75000"/>
+                    <a:lumOff val="25000"/>
+                  </a:schemeClr>
+                </a:solidFill>
+                <a:latin typeface="微软雅黑" panose="020B0503020204020204" pitchFamily="34" charset="-122"/>
+                <a:ea typeface="微软雅黑" panose="020B0503020204020204" pitchFamily="34" charset="-122"/>
+              </a:rPr>
+              <a:t>第三步： </a:t>
+            </a:r>
+            <a:r>
+              <a:rPr lang="en-US" altLang="zh-CN" b="1" dirty="0">
+                <a:solidFill>
+                  <a:schemeClr val="tx1">
+                    <a:lumMod val="75000"/>
+                    <a:lumOff val="25000"/>
+                  </a:schemeClr>
+                </a:solidFill>
+                <a:latin typeface="微软雅黑" panose="020B0503020204020204" pitchFamily="34" charset="-122"/>
+                <a:ea typeface="微软雅黑" panose="020B0503020204020204" pitchFamily="34" charset="-122"/>
+              </a:rPr>
+              <a:t>template</a:t>
+            </a:r>
+            <a:r>
+              <a:rPr lang="zh-CN" altLang="en-US" b="1" dirty="0">
+                <a:solidFill>
+                  <a:schemeClr val="tx1">
+                    <a:lumMod val="75000"/>
+                    <a:lumOff val="25000"/>
+                  </a:schemeClr>
+                </a:solidFill>
+                <a:latin typeface="微软雅黑" panose="020B0503020204020204" pitchFamily="34" charset="-122"/>
+                <a:ea typeface="微软雅黑" panose="020B0503020204020204" pitchFamily="34" charset="-122"/>
+              </a:rPr>
+              <a:t> 编写模版、</a:t>
+            </a:r>
+            <a:r>
+              <a:rPr lang="en-US" altLang="zh-CN" b="1" dirty="0">
+                <a:solidFill>
+                  <a:schemeClr val="tx1">
+                    <a:lumMod val="75000"/>
+                    <a:lumOff val="25000"/>
+                  </a:schemeClr>
+                </a:solidFill>
+                <a:latin typeface="微软雅黑" panose="020B0503020204020204" pitchFamily="34" charset="-122"/>
+                <a:ea typeface="微软雅黑" panose="020B0503020204020204" pitchFamily="34" charset="-122"/>
+              </a:rPr>
+              <a:t>props </a:t>
+            </a:r>
+            <a:r>
+              <a:rPr lang="zh-CN" altLang="en-US" b="1" dirty="0">
+                <a:solidFill>
+                  <a:schemeClr val="tx1">
+                    <a:lumMod val="75000"/>
+                    <a:lumOff val="25000"/>
+                  </a:schemeClr>
+                </a:solidFill>
+                <a:latin typeface="微软雅黑" panose="020B0503020204020204" pitchFamily="34" charset="-122"/>
+                <a:ea typeface="微软雅黑" panose="020B0503020204020204" pitchFamily="34" charset="-122"/>
+              </a:rPr>
+              <a:t>定义参数</a:t>
+            </a:r>
+            <a:endParaRPr lang="en-US" altLang="zh-CN" b="1" dirty="0">
+              <a:solidFill>
+                <a:schemeClr val="tx1">
+                  <a:lumMod val="75000"/>
+                  <a:lumOff val="25000"/>
+                </a:schemeClr>
+              </a:solidFill>
+              <a:latin typeface="微软雅黑" panose="020B0503020204020204" pitchFamily="34" charset="-122"/>
+              <a:ea typeface="微软雅黑" panose="020B0503020204020204" pitchFamily="34" charset="-122"/>
+            </a:endParaRPr>
+          </a:p>
+          <a:p>
+            <a:pPr algn="just" defTabSz="914377">
+              <a:lnSpc>
+                <a:spcPts val="2000"/>
+              </a:lnSpc>
+              <a:buClr>
+                <a:srgbClr val="0070C0"/>
+              </a:buClr>
+              <a:defRPr/>
+            </a:pPr>
+            <a:endParaRPr lang="en-US" altLang="zh-CN" b="1" dirty="0">
+              <a:solidFill>
+                <a:schemeClr val="tx1">
+                  <a:lumMod val="75000"/>
+                  <a:lumOff val="25000"/>
+                </a:schemeClr>
+              </a:solidFill>
+              <a:latin typeface="微软雅黑" panose="020B0503020204020204" pitchFamily="34" charset="-122"/>
+              <a:ea typeface="微软雅黑" panose="020B0503020204020204" pitchFamily="34" charset="-122"/>
+            </a:endParaRPr>
+          </a:p>
+          <a:p>
+            <a:pPr algn="just" defTabSz="914377">
+              <a:lnSpc>
+                <a:spcPts val="2000"/>
+              </a:lnSpc>
+              <a:buClr>
+                <a:srgbClr val="0070C0"/>
+              </a:buClr>
+              <a:defRPr/>
+            </a:pPr>
+            <a:r>
+              <a:rPr lang="zh-CN" altLang="en-US" b="1" dirty="0">
+                <a:solidFill>
+                  <a:schemeClr val="tx1">
+                    <a:lumMod val="75000"/>
+                    <a:lumOff val="25000"/>
+                  </a:schemeClr>
+                </a:solidFill>
+                <a:latin typeface="微软雅黑" panose="020B0503020204020204" pitchFamily="34" charset="-122"/>
+                <a:ea typeface="微软雅黑" panose="020B0503020204020204" pitchFamily="34" charset="-122"/>
+              </a:rPr>
+              <a:t>     第四步：测试组件</a:t>
+            </a:r>
+            <a:endParaRPr lang="en-US" altLang="zh-CN" b="1" dirty="0">
               <a:solidFill>
                 <a:schemeClr val="tx1">
                   <a:lumMod val="75000"/>
@@ -11779,6 +12727,46 @@
               <a:t> 		</a:t>
             </a:r>
             <a:endParaRPr lang="zh-CN" altLang="en-US" sz="2000" dirty="0"/>
+          </a:p>
+        </p:txBody>
+      </p:sp>
+      <p:sp>
+        <p:nvSpPr>
+          <p:cNvPr id="4" name="文本框 3">
+            <a:extLst>
+              <a:ext uri="{FF2B5EF4-FFF2-40B4-BE49-F238E27FC236}">
+                <a16:creationId xmlns:a16="http://schemas.microsoft.com/office/drawing/2014/main" id="{A98431EE-4873-43DE-B597-E72CA012C8C0}"/>
+              </a:ext>
+            </a:extLst>
+          </p:cNvPr>
+          <p:cNvSpPr txBox="1"/>
+          <p:nvPr/>
+        </p:nvSpPr>
+        <p:spPr>
+          <a:xfrm>
+            <a:off x="10733298" y="6123542"/>
+            <a:ext cx="880369" cy="369332"/>
+          </a:xfrm>
+          <a:prstGeom prst="rect">
+            <a:avLst/>
+          </a:prstGeom>
+          <a:noFill/>
+        </p:spPr>
+        <p:txBody>
+          <a:bodyPr wrap="none" rtlCol="0">
+            <a:spAutoFit/>
+          </a:bodyPr>
+          <a:lstStyle/>
+          <a:p>
+            <a:r>
+              <a:rPr lang="en-US" altLang="zh-CN" dirty="0"/>
+              <a:t>30</a:t>
+            </a:r>
+            <a:r>
+              <a:rPr lang="zh-CN" altLang="en-US" dirty="0"/>
+              <a:t>分钟</a:t>
+            </a:r>
+            <a:endParaRPr lang="en-US" dirty="0"/>
           </a:p>
         </p:txBody>
       </p:sp>
@@ -11920,6 +12908,1764 @@
 </file>
 
 <file path=ppt/slides/slide7.xml><?xml version="1.0" encoding="utf-8"?>
+<p:sld xmlns:a="http://schemas.openxmlformats.org/drawingml/2006/main" xmlns:r="http://schemas.openxmlformats.org/officeDocument/2006/relationships" xmlns:p="http://schemas.openxmlformats.org/presentationml/2006/main">
+  <p:cSld>
+    <p:spTree>
+      <p:nvGrpSpPr>
+        <p:cNvPr id="1" name=""/>
+        <p:cNvGrpSpPr/>
+        <p:nvPr/>
+      </p:nvGrpSpPr>
+      <p:grpSpPr>
+        <a:xfrm>
+          <a:off x="0" y="0"/>
+          <a:ext cx="0" cy="0"/>
+          <a:chOff x="0" y="0"/>
+          <a:chExt cx="0" cy="0"/>
+        </a:xfrm>
+      </p:grpSpPr>
+      <p:sp>
+        <p:nvSpPr>
+          <p:cNvPr id="2" name="标题 1">
+            <a:extLst>
+              <a:ext uri="{FF2B5EF4-FFF2-40B4-BE49-F238E27FC236}">
+                <a16:creationId xmlns:a16="http://schemas.microsoft.com/office/drawing/2014/main" id="{6BC5E2C6-2668-416D-80B3-3B78FF706AD1}"/>
+              </a:ext>
+            </a:extLst>
+          </p:cNvPr>
+          <p:cNvSpPr>
+            <a:spLocks noGrp="1"/>
+          </p:cNvSpPr>
+          <p:nvPr>
+            <p:ph type="title"/>
+          </p:nvPr>
+        </p:nvSpPr>
+        <p:spPr/>
+        <p:txBody>
+          <a:bodyPr>
+            <a:normAutofit fontScale="90000"/>
+          </a:bodyPr>
+          <a:lstStyle/>
+          <a:p>
+            <a:r>
+              <a:rPr lang="zh-CN" altLang="en-US" dirty="0"/>
+              <a:t>浏览器兼容性</a:t>
+            </a:r>
+            <a:endParaRPr lang="en-US" dirty="0"/>
+          </a:p>
+        </p:txBody>
+      </p:sp>
+      <p:sp>
+        <p:nvSpPr>
+          <p:cNvPr id="3" name="文本框 2">
+            <a:extLst>
+              <a:ext uri="{FF2B5EF4-FFF2-40B4-BE49-F238E27FC236}">
+                <a16:creationId xmlns:a16="http://schemas.microsoft.com/office/drawing/2014/main" id="{66558901-3B52-4CFE-B841-6104DAC02360}"/>
+              </a:ext>
+            </a:extLst>
+          </p:cNvPr>
+          <p:cNvSpPr txBox="1"/>
+          <p:nvPr/>
+        </p:nvSpPr>
+        <p:spPr>
+          <a:xfrm>
+            <a:off x="838200" y="1541304"/>
+            <a:ext cx="10515599" cy="4452501"/>
+          </a:xfrm>
+          <a:prstGeom prst="rect">
+            <a:avLst/>
+          </a:prstGeom>
+          <a:noFill/>
+        </p:spPr>
+        <p:txBody>
+          <a:bodyPr wrap="square" rtlCol="0">
+            <a:spAutoFit/>
+          </a:bodyPr>
+          <a:lstStyle/>
+          <a:p>
+            <a:pPr algn="just" defTabSz="914377">
+              <a:lnSpc>
+                <a:spcPts val="2000"/>
+              </a:lnSpc>
+              <a:buClr>
+                <a:srgbClr val="0070C0"/>
+              </a:buClr>
+              <a:defRPr/>
+            </a:pPr>
+            <a:r>
+              <a:rPr lang="zh-CN" altLang="en-US" b="1" dirty="0">
+                <a:solidFill>
+                  <a:schemeClr val="tx1">
+                    <a:lumMod val="75000"/>
+                    <a:lumOff val="25000"/>
+                  </a:schemeClr>
+                </a:solidFill>
+                <a:latin typeface="微软雅黑" panose="020B0503020204020204" pitchFamily="34" charset="-122"/>
+                <a:ea typeface="微软雅黑" panose="020B0503020204020204" pitchFamily="34" charset="-122"/>
+              </a:rPr>
+              <a:t>浏览器</a:t>
+            </a:r>
+            <a:r>
+              <a:rPr lang="en-US" altLang="zh-CN" b="1" dirty="0">
+                <a:solidFill>
+                  <a:schemeClr val="tx1">
+                    <a:lumMod val="75000"/>
+                    <a:lumOff val="25000"/>
+                  </a:schemeClr>
+                </a:solidFill>
+                <a:latin typeface="微软雅黑" panose="020B0503020204020204" pitchFamily="34" charset="-122"/>
+                <a:ea typeface="微软雅黑" panose="020B0503020204020204" pitchFamily="34" charset="-122"/>
+              </a:rPr>
+              <a:t>JS</a:t>
+            </a:r>
+            <a:r>
+              <a:rPr lang="zh-CN" altLang="en-US" b="1" dirty="0">
+                <a:solidFill>
+                  <a:schemeClr val="tx1">
+                    <a:lumMod val="75000"/>
+                    <a:lumOff val="25000"/>
+                  </a:schemeClr>
+                </a:solidFill>
+                <a:latin typeface="微软雅黑" panose="020B0503020204020204" pitchFamily="34" charset="-122"/>
+                <a:ea typeface="微软雅黑" panose="020B0503020204020204" pitchFamily="34" charset="-122"/>
+              </a:rPr>
+              <a:t>兼容：</a:t>
+            </a:r>
+            <a:endParaRPr lang="en-US" altLang="zh-CN" b="1" dirty="0">
+              <a:solidFill>
+                <a:schemeClr val="tx1">
+                  <a:lumMod val="75000"/>
+                  <a:lumOff val="25000"/>
+                </a:schemeClr>
+              </a:solidFill>
+              <a:latin typeface="微软雅黑" panose="020B0503020204020204" pitchFamily="34" charset="-122"/>
+              <a:ea typeface="微软雅黑" panose="020B0503020204020204" pitchFamily="34" charset="-122"/>
+            </a:endParaRPr>
+          </a:p>
+          <a:p>
+            <a:pPr algn="just" defTabSz="914377">
+              <a:lnSpc>
+                <a:spcPts val="2000"/>
+              </a:lnSpc>
+              <a:buClr>
+                <a:srgbClr val="0070C0"/>
+              </a:buClr>
+              <a:defRPr/>
+            </a:pPr>
+            <a:endParaRPr lang="en-US" altLang="zh-CN" b="1" dirty="0">
+              <a:solidFill>
+                <a:schemeClr val="tx1">
+                  <a:lumMod val="75000"/>
+                  <a:lumOff val="25000"/>
+                </a:schemeClr>
+              </a:solidFill>
+              <a:latin typeface="微软雅黑" panose="020B0503020204020204" pitchFamily="34" charset="-122"/>
+              <a:ea typeface="微软雅黑" panose="020B0503020204020204" pitchFamily="34" charset="-122"/>
+            </a:endParaRPr>
+          </a:p>
+          <a:p>
+            <a:pPr algn="just" defTabSz="914377">
+              <a:lnSpc>
+                <a:spcPts val="2000"/>
+              </a:lnSpc>
+              <a:buClr>
+                <a:srgbClr val="0070C0"/>
+              </a:buClr>
+              <a:defRPr/>
+            </a:pPr>
+            <a:r>
+              <a:rPr lang="en-US" altLang="zh-CN" b="1" dirty="0">
+                <a:solidFill>
+                  <a:schemeClr val="tx1">
+                    <a:lumMod val="75000"/>
+                    <a:lumOff val="25000"/>
+                  </a:schemeClr>
+                </a:solidFill>
+                <a:latin typeface="微软雅黑" panose="020B0503020204020204" pitchFamily="34" charset="-122"/>
+                <a:ea typeface="微软雅黑" panose="020B0503020204020204" pitchFamily="34" charset="-122"/>
+              </a:rPr>
+              <a:t>       es6 </a:t>
+            </a:r>
+            <a:r>
+              <a:rPr lang="zh-CN" altLang="en-US" b="1" dirty="0">
+                <a:solidFill>
+                  <a:schemeClr val="tx1">
+                    <a:lumMod val="75000"/>
+                    <a:lumOff val="25000"/>
+                  </a:schemeClr>
+                </a:solidFill>
+                <a:latin typeface="微软雅黑" panose="020B0503020204020204" pitchFamily="34" charset="-122"/>
+                <a:ea typeface="微软雅黑" panose="020B0503020204020204" pitchFamily="34" charset="-122"/>
+              </a:rPr>
+              <a:t>语法的浏览器支持度（</a:t>
+            </a:r>
+            <a:r>
+              <a:rPr lang="en-US" altLang="zh-CN" b="1" dirty="0">
+                <a:solidFill>
+                  <a:schemeClr val="tx1">
+                    <a:lumMod val="75000"/>
+                    <a:lumOff val="25000"/>
+                  </a:schemeClr>
+                </a:solidFill>
+                <a:latin typeface="微软雅黑" panose="020B0503020204020204" pitchFamily="34" charset="-122"/>
+                <a:ea typeface="微软雅黑" panose="020B0503020204020204" pitchFamily="34" charset="-122"/>
+              </a:rPr>
+              <a:t>IE</a:t>
+            </a:r>
+            <a:r>
+              <a:rPr lang="zh-CN" altLang="en-US" b="1" dirty="0">
+                <a:solidFill>
+                  <a:schemeClr val="tx1">
+                    <a:lumMod val="75000"/>
+                    <a:lumOff val="25000"/>
+                  </a:schemeClr>
+                </a:solidFill>
+                <a:latin typeface="微软雅黑" panose="020B0503020204020204" pitchFamily="34" charset="-122"/>
+                <a:ea typeface="微软雅黑" panose="020B0503020204020204" pitchFamily="34" charset="-122"/>
+              </a:rPr>
+              <a:t>浏览器基本不支持），语法讲解：</a:t>
+            </a:r>
+            <a:r>
+              <a:rPr lang="en-US" altLang="zh-CN" b="1" dirty="0">
+                <a:solidFill>
+                  <a:schemeClr val="tx1">
+                    <a:lumMod val="75000"/>
+                    <a:lumOff val="25000"/>
+                  </a:schemeClr>
+                </a:solidFill>
+                <a:latin typeface="微软雅黑" panose="020B0503020204020204" pitchFamily="34" charset="-122"/>
+                <a:ea typeface="微软雅黑" panose="020B0503020204020204" pitchFamily="34" charset="-122"/>
+                <a:hlinkClick r:id="rId2"/>
+              </a:rPr>
+              <a:t>http://es6.ruanyifeng.com/</a:t>
+            </a:r>
+            <a:endParaRPr lang="en-US" altLang="zh-CN" b="1" dirty="0">
+              <a:solidFill>
+                <a:schemeClr val="tx1">
+                  <a:lumMod val="75000"/>
+                  <a:lumOff val="25000"/>
+                </a:schemeClr>
+              </a:solidFill>
+              <a:latin typeface="微软雅黑" panose="020B0503020204020204" pitchFamily="34" charset="-122"/>
+              <a:ea typeface="微软雅黑" panose="020B0503020204020204" pitchFamily="34" charset="-122"/>
+            </a:endParaRPr>
+          </a:p>
+          <a:p>
+            <a:pPr algn="just" defTabSz="914377">
+              <a:lnSpc>
+                <a:spcPts val="2000"/>
+              </a:lnSpc>
+              <a:buClr>
+                <a:srgbClr val="0070C0"/>
+              </a:buClr>
+              <a:defRPr/>
+            </a:pPr>
+            <a:r>
+              <a:rPr lang="en-US" altLang="zh-CN" b="1" dirty="0">
+                <a:solidFill>
+                  <a:schemeClr val="tx1">
+                    <a:lumMod val="75000"/>
+                    <a:lumOff val="25000"/>
+                  </a:schemeClr>
+                </a:solidFill>
+                <a:latin typeface="微软雅黑" panose="020B0503020204020204" pitchFamily="34" charset="-122"/>
+                <a:ea typeface="微软雅黑" panose="020B0503020204020204" pitchFamily="34" charset="-122"/>
+              </a:rPr>
+              <a:t>  </a:t>
+            </a:r>
+          </a:p>
+          <a:p>
+            <a:pPr algn="just" defTabSz="914377">
+              <a:lnSpc>
+                <a:spcPts val="2000"/>
+              </a:lnSpc>
+              <a:buClr>
+                <a:srgbClr val="0070C0"/>
+              </a:buClr>
+              <a:defRPr/>
+            </a:pPr>
+            <a:r>
+              <a:rPr lang="en-US" altLang="zh-CN" b="1" dirty="0">
+                <a:solidFill>
+                  <a:schemeClr val="tx1">
+                    <a:lumMod val="75000"/>
+                    <a:lumOff val="25000"/>
+                  </a:schemeClr>
+                </a:solidFill>
+                <a:latin typeface="微软雅黑" panose="020B0503020204020204" pitchFamily="34" charset="-122"/>
+                <a:ea typeface="微软雅黑" panose="020B0503020204020204" pitchFamily="34" charset="-122"/>
+              </a:rPr>
+              <a:t>       </a:t>
+            </a:r>
+            <a:r>
+              <a:rPr lang="zh-CN" altLang="en-US" b="1" dirty="0">
+                <a:solidFill>
+                  <a:schemeClr val="tx1">
+                    <a:lumMod val="75000"/>
+                    <a:lumOff val="25000"/>
+                  </a:schemeClr>
+                </a:solidFill>
+                <a:latin typeface="微软雅黑" panose="020B0503020204020204" pitchFamily="34" charset="-122"/>
+                <a:ea typeface="微软雅黑" panose="020B0503020204020204" pitchFamily="34" charset="-122"/>
+              </a:rPr>
+              <a:t>常用关键字与写法</a:t>
+            </a:r>
+            <a:r>
+              <a:rPr lang="en-US" altLang="zh-CN" b="1" dirty="0">
+                <a:solidFill>
+                  <a:schemeClr val="tx1">
+                    <a:lumMod val="75000"/>
+                    <a:lumOff val="25000"/>
+                  </a:schemeClr>
+                </a:solidFill>
+                <a:latin typeface="微软雅黑" panose="020B0503020204020204" pitchFamily="34" charset="-122"/>
+                <a:ea typeface="微软雅黑" panose="020B0503020204020204" pitchFamily="34" charset="-122"/>
+              </a:rPr>
+              <a:t>:  </a:t>
+            </a:r>
+          </a:p>
+          <a:p>
+            <a:pPr algn="just" defTabSz="914377">
+              <a:lnSpc>
+                <a:spcPts val="2000"/>
+              </a:lnSpc>
+              <a:buClr>
+                <a:srgbClr val="0070C0"/>
+              </a:buClr>
+              <a:defRPr/>
+            </a:pPr>
+            <a:r>
+              <a:rPr lang="en-US" altLang="zh-CN" b="1" dirty="0">
+                <a:solidFill>
+                  <a:schemeClr val="tx1">
+                    <a:lumMod val="75000"/>
+                    <a:lumOff val="25000"/>
+                  </a:schemeClr>
+                </a:solidFill>
+                <a:latin typeface="微软雅黑" panose="020B0503020204020204" pitchFamily="34" charset="-122"/>
+                <a:ea typeface="微软雅黑" panose="020B0503020204020204" pitchFamily="34" charset="-122"/>
+              </a:rPr>
+              <a:t>           </a:t>
+            </a:r>
+            <a:r>
+              <a:rPr lang="zh-CN" altLang="en-US" b="1" dirty="0">
+                <a:solidFill>
+                  <a:schemeClr val="tx1">
+                    <a:lumMod val="75000"/>
+                    <a:lumOff val="25000"/>
+                  </a:schemeClr>
+                </a:solidFill>
+                <a:latin typeface="微软雅黑" panose="020B0503020204020204" pitchFamily="34" charset="-122"/>
+                <a:ea typeface="微软雅黑" panose="020B0503020204020204" pitchFamily="34" charset="-122"/>
+              </a:rPr>
+              <a:t>变量定义：</a:t>
+            </a:r>
+            <a:r>
+              <a:rPr lang="en-US" altLang="zh-CN" b="1" dirty="0">
+                <a:solidFill>
+                  <a:schemeClr val="tx1">
+                    <a:lumMod val="75000"/>
+                    <a:lumOff val="25000"/>
+                  </a:schemeClr>
+                </a:solidFill>
+                <a:latin typeface="微软雅黑" panose="020B0503020204020204" pitchFamily="34" charset="-122"/>
+                <a:ea typeface="微软雅黑" panose="020B0503020204020204" pitchFamily="34" charset="-122"/>
+              </a:rPr>
+              <a:t>let</a:t>
+            </a:r>
+            <a:r>
+              <a:rPr lang="zh-CN" altLang="en-US" b="1" dirty="0">
+                <a:solidFill>
+                  <a:schemeClr val="tx1">
+                    <a:lumMod val="75000"/>
+                    <a:lumOff val="25000"/>
+                  </a:schemeClr>
+                </a:solidFill>
+                <a:latin typeface="微软雅黑" panose="020B0503020204020204" pitchFamily="34" charset="-122"/>
+                <a:ea typeface="微软雅黑" panose="020B0503020204020204" pitchFamily="34" charset="-122"/>
+              </a:rPr>
+              <a:t>、</a:t>
+            </a:r>
+            <a:r>
+              <a:rPr lang="en-US" altLang="zh-CN" b="1" dirty="0">
+                <a:solidFill>
+                  <a:schemeClr val="tx1">
+                    <a:lumMod val="75000"/>
+                    <a:lumOff val="25000"/>
+                  </a:schemeClr>
+                </a:solidFill>
+                <a:latin typeface="微软雅黑" panose="020B0503020204020204" pitchFamily="34" charset="-122"/>
+                <a:ea typeface="微软雅黑" panose="020B0503020204020204" pitchFamily="34" charset="-122"/>
+              </a:rPr>
+              <a:t>const</a:t>
+            </a:r>
+            <a:r>
+              <a:rPr lang="zh-CN" altLang="en-US" b="1" dirty="0">
+                <a:solidFill>
+                  <a:schemeClr val="tx1">
+                    <a:lumMod val="75000"/>
+                    <a:lumOff val="25000"/>
+                  </a:schemeClr>
+                </a:solidFill>
+                <a:latin typeface="微软雅黑" panose="020B0503020204020204" pitchFamily="34" charset="-122"/>
+                <a:ea typeface="微软雅黑" panose="020B0503020204020204" pitchFamily="34" charset="-122"/>
+              </a:rPr>
+              <a:t>，推荐使用 </a:t>
+            </a:r>
+            <a:r>
+              <a:rPr lang="en-US" altLang="zh-CN" b="1" dirty="0">
+                <a:solidFill>
+                  <a:schemeClr val="tx1">
+                    <a:lumMod val="75000"/>
+                    <a:lumOff val="25000"/>
+                  </a:schemeClr>
+                </a:solidFill>
+                <a:latin typeface="微软雅黑" panose="020B0503020204020204" pitchFamily="34" charset="-122"/>
+                <a:ea typeface="微软雅黑" panose="020B0503020204020204" pitchFamily="34" charset="-122"/>
+              </a:rPr>
+              <a:t>var</a:t>
+            </a:r>
+          </a:p>
+          <a:p>
+            <a:pPr algn="just" defTabSz="914377">
+              <a:lnSpc>
+                <a:spcPts val="2000"/>
+              </a:lnSpc>
+              <a:buClr>
+                <a:srgbClr val="0070C0"/>
+              </a:buClr>
+              <a:defRPr/>
+            </a:pPr>
+            <a:r>
+              <a:rPr lang="en-US" altLang="zh-CN" b="1" dirty="0">
+                <a:solidFill>
+                  <a:schemeClr val="tx1">
+                    <a:lumMod val="75000"/>
+                    <a:lumOff val="25000"/>
+                  </a:schemeClr>
+                </a:solidFill>
+                <a:latin typeface="微软雅黑" panose="020B0503020204020204" pitchFamily="34" charset="-122"/>
+                <a:ea typeface="微软雅黑" panose="020B0503020204020204" pitchFamily="34" charset="-122"/>
+              </a:rPr>
+              <a:t>           </a:t>
+            </a:r>
+            <a:r>
+              <a:rPr lang="zh-CN" altLang="en-US" b="1" dirty="0">
+                <a:solidFill>
+                  <a:schemeClr val="tx1">
+                    <a:lumMod val="75000"/>
+                    <a:lumOff val="25000"/>
+                  </a:schemeClr>
+                </a:solidFill>
+                <a:latin typeface="微软雅黑" panose="020B0503020204020204" pitchFamily="34" charset="-122"/>
+                <a:ea typeface="微软雅黑" panose="020B0503020204020204" pitchFamily="34" charset="-122"/>
+              </a:rPr>
+              <a:t>字符串模：</a:t>
+            </a:r>
+            <a:r>
+              <a:rPr lang="en-US" altLang="zh-CN" b="1" dirty="0">
+                <a:solidFill>
+                  <a:schemeClr val="tx1">
+                    <a:lumMod val="75000"/>
+                    <a:lumOff val="25000"/>
+                  </a:schemeClr>
+                </a:solidFill>
+                <a:latin typeface="微软雅黑" panose="020B0503020204020204" pitchFamily="34" charset="-122"/>
+                <a:ea typeface="微软雅黑" panose="020B0503020204020204" pitchFamily="34" charset="-122"/>
+              </a:rPr>
+              <a:t>``	</a:t>
+            </a:r>
+          </a:p>
+          <a:p>
+            <a:pPr algn="just" defTabSz="914377">
+              <a:lnSpc>
+                <a:spcPts val="2000"/>
+              </a:lnSpc>
+              <a:buClr>
+                <a:srgbClr val="0070C0"/>
+              </a:buClr>
+              <a:defRPr/>
+            </a:pPr>
+            <a:r>
+              <a:rPr lang="en-US" altLang="zh-CN" b="1" dirty="0">
+                <a:solidFill>
+                  <a:schemeClr val="tx1">
+                    <a:lumMod val="75000"/>
+                    <a:lumOff val="25000"/>
+                  </a:schemeClr>
+                </a:solidFill>
+                <a:latin typeface="微软雅黑" panose="020B0503020204020204" pitchFamily="34" charset="-122"/>
+                <a:ea typeface="微软雅黑" panose="020B0503020204020204" pitchFamily="34" charset="-122"/>
+              </a:rPr>
+              <a:t>           </a:t>
+            </a:r>
+            <a:r>
+              <a:rPr lang="zh-CN" altLang="en-US" b="1" dirty="0">
+                <a:solidFill>
+                  <a:schemeClr val="tx1">
+                    <a:lumMod val="75000"/>
+                    <a:lumOff val="25000"/>
+                  </a:schemeClr>
+                </a:solidFill>
+                <a:latin typeface="微软雅黑" panose="020B0503020204020204" pitchFamily="34" charset="-122"/>
+                <a:ea typeface="微软雅黑" panose="020B0503020204020204" pitchFamily="34" charset="-122"/>
+              </a:rPr>
+              <a:t>箭头函数：</a:t>
+            </a:r>
+            <a:r>
+              <a:rPr lang="en-US" altLang="zh-CN" b="1" dirty="0">
+                <a:solidFill>
+                  <a:schemeClr val="tx1">
+                    <a:lumMod val="75000"/>
+                    <a:lumOff val="25000"/>
+                  </a:schemeClr>
+                </a:solidFill>
+                <a:latin typeface="微软雅黑" panose="020B0503020204020204" pitchFamily="34" charset="-122"/>
+                <a:ea typeface="微软雅黑" panose="020B0503020204020204" pitchFamily="34" charset="-122"/>
+              </a:rPr>
+              <a:t>=&gt;</a:t>
+            </a:r>
+          </a:p>
+          <a:p>
+            <a:pPr algn="just" defTabSz="914377">
+              <a:lnSpc>
+                <a:spcPts val="2000"/>
+              </a:lnSpc>
+              <a:buClr>
+                <a:srgbClr val="0070C0"/>
+              </a:buClr>
+              <a:defRPr/>
+            </a:pPr>
+            <a:endParaRPr lang="en-US" altLang="zh-CN" b="1" dirty="0">
+              <a:solidFill>
+                <a:schemeClr val="tx1">
+                  <a:lumMod val="75000"/>
+                  <a:lumOff val="25000"/>
+                </a:schemeClr>
+              </a:solidFill>
+              <a:latin typeface="微软雅黑" panose="020B0503020204020204" pitchFamily="34" charset="-122"/>
+              <a:ea typeface="微软雅黑" panose="020B0503020204020204" pitchFamily="34" charset="-122"/>
+            </a:endParaRPr>
+          </a:p>
+          <a:p>
+            <a:pPr algn="just" defTabSz="914377">
+              <a:lnSpc>
+                <a:spcPts val="2000"/>
+              </a:lnSpc>
+              <a:buClr>
+                <a:srgbClr val="0070C0"/>
+              </a:buClr>
+              <a:defRPr/>
+            </a:pPr>
+            <a:endParaRPr lang="en-US" altLang="zh-CN" b="1" dirty="0">
+              <a:solidFill>
+                <a:schemeClr val="tx1">
+                  <a:lumMod val="75000"/>
+                  <a:lumOff val="25000"/>
+                </a:schemeClr>
+              </a:solidFill>
+              <a:latin typeface="微软雅黑" panose="020B0503020204020204" pitchFamily="34" charset="-122"/>
+              <a:ea typeface="微软雅黑" panose="020B0503020204020204" pitchFamily="34" charset="-122"/>
+            </a:endParaRPr>
+          </a:p>
+          <a:p>
+            <a:pPr algn="just" defTabSz="914377">
+              <a:lnSpc>
+                <a:spcPts val="2000"/>
+              </a:lnSpc>
+              <a:buClr>
+                <a:srgbClr val="0070C0"/>
+              </a:buClr>
+              <a:defRPr/>
+            </a:pPr>
+            <a:endParaRPr lang="en-US" altLang="zh-CN" b="1" dirty="0">
+              <a:solidFill>
+                <a:schemeClr val="tx1">
+                  <a:lumMod val="75000"/>
+                  <a:lumOff val="25000"/>
+                </a:schemeClr>
+              </a:solidFill>
+              <a:latin typeface="微软雅黑" panose="020B0503020204020204" pitchFamily="34" charset="-122"/>
+              <a:ea typeface="微软雅黑" panose="020B0503020204020204" pitchFamily="34" charset="-122"/>
+            </a:endParaRPr>
+          </a:p>
+          <a:p>
+            <a:pPr algn="just" defTabSz="914377">
+              <a:lnSpc>
+                <a:spcPts val="2000"/>
+              </a:lnSpc>
+              <a:buClr>
+                <a:srgbClr val="0070C0"/>
+              </a:buClr>
+              <a:defRPr/>
+            </a:pPr>
+            <a:endParaRPr lang="en-US" altLang="zh-CN" b="1" dirty="0">
+              <a:solidFill>
+                <a:schemeClr val="tx1">
+                  <a:lumMod val="75000"/>
+                  <a:lumOff val="25000"/>
+                </a:schemeClr>
+              </a:solidFill>
+              <a:latin typeface="微软雅黑" panose="020B0503020204020204" pitchFamily="34" charset="-122"/>
+              <a:ea typeface="微软雅黑" panose="020B0503020204020204" pitchFamily="34" charset="-122"/>
+            </a:endParaRPr>
+          </a:p>
+          <a:p>
+            <a:pPr algn="just" defTabSz="914377">
+              <a:lnSpc>
+                <a:spcPts val="2000"/>
+              </a:lnSpc>
+              <a:buClr>
+                <a:srgbClr val="0070C0"/>
+              </a:buClr>
+              <a:defRPr/>
+            </a:pPr>
+            <a:r>
+              <a:rPr lang="zh-CN" altLang="en-US" b="1" dirty="0">
+                <a:solidFill>
+                  <a:schemeClr val="tx1">
+                    <a:lumMod val="75000"/>
+                    <a:lumOff val="25000"/>
+                  </a:schemeClr>
+                </a:solidFill>
+                <a:latin typeface="微软雅黑" panose="020B0503020204020204" pitchFamily="34" charset="-122"/>
+                <a:ea typeface="微软雅黑" panose="020B0503020204020204" pitchFamily="34" charset="-122"/>
+              </a:rPr>
+              <a:t>浏览器</a:t>
+            </a:r>
+            <a:r>
+              <a:rPr lang="en-US" altLang="zh-CN" b="1" dirty="0">
+                <a:solidFill>
+                  <a:schemeClr val="tx1">
+                    <a:lumMod val="75000"/>
+                    <a:lumOff val="25000"/>
+                  </a:schemeClr>
+                </a:solidFill>
+                <a:latin typeface="微软雅黑" panose="020B0503020204020204" pitchFamily="34" charset="-122"/>
+                <a:ea typeface="微软雅黑" panose="020B0503020204020204" pitchFamily="34" charset="-122"/>
+              </a:rPr>
+              <a:t>JS</a:t>
+            </a:r>
+            <a:r>
+              <a:rPr lang="zh-CN" altLang="en-US" b="1" dirty="0">
+                <a:solidFill>
+                  <a:schemeClr val="tx1">
+                    <a:lumMod val="75000"/>
+                    <a:lumOff val="25000"/>
+                  </a:schemeClr>
+                </a:solidFill>
+                <a:latin typeface="微软雅黑" panose="020B0503020204020204" pitchFamily="34" charset="-122"/>
+                <a:ea typeface="微软雅黑" panose="020B0503020204020204" pitchFamily="34" charset="-122"/>
+              </a:rPr>
+              <a:t>兼容解决方案</a:t>
+            </a:r>
+            <a:endParaRPr lang="en-US" altLang="zh-CN" b="1" dirty="0">
+              <a:solidFill>
+                <a:schemeClr val="tx1">
+                  <a:lumMod val="75000"/>
+                  <a:lumOff val="25000"/>
+                </a:schemeClr>
+              </a:solidFill>
+              <a:latin typeface="微软雅黑" panose="020B0503020204020204" pitchFamily="34" charset="-122"/>
+              <a:ea typeface="微软雅黑" panose="020B0503020204020204" pitchFamily="34" charset="-122"/>
+            </a:endParaRPr>
+          </a:p>
+          <a:p>
+            <a:pPr algn="just" defTabSz="914377">
+              <a:lnSpc>
+                <a:spcPts val="2000"/>
+              </a:lnSpc>
+              <a:buClr>
+                <a:srgbClr val="0070C0"/>
+              </a:buClr>
+              <a:defRPr/>
+            </a:pPr>
+            <a:endParaRPr lang="en-US" altLang="zh-CN" b="1" dirty="0">
+              <a:solidFill>
+                <a:schemeClr val="tx1">
+                  <a:lumMod val="75000"/>
+                  <a:lumOff val="25000"/>
+                </a:schemeClr>
+              </a:solidFill>
+              <a:latin typeface="微软雅黑" panose="020B0503020204020204" pitchFamily="34" charset="-122"/>
+              <a:ea typeface="微软雅黑" panose="020B0503020204020204" pitchFamily="34" charset="-122"/>
+            </a:endParaRPr>
+          </a:p>
+          <a:p>
+            <a:pPr algn="just" defTabSz="914377">
+              <a:lnSpc>
+                <a:spcPts val="2000"/>
+              </a:lnSpc>
+              <a:buClr>
+                <a:srgbClr val="0070C0"/>
+              </a:buClr>
+              <a:defRPr/>
+            </a:pPr>
+            <a:r>
+              <a:rPr lang="en-US" altLang="zh-CN" b="1" dirty="0">
+                <a:solidFill>
+                  <a:schemeClr val="tx1">
+                    <a:lumMod val="75000"/>
+                    <a:lumOff val="25000"/>
+                  </a:schemeClr>
+                </a:solidFill>
+                <a:latin typeface="微软雅黑" panose="020B0503020204020204" pitchFamily="34" charset="-122"/>
+                <a:ea typeface="微软雅黑" panose="020B0503020204020204" pitchFamily="34" charset="-122"/>
+              </a:rPr>
+              <a:t>       </a:t>
+            </a:r>
+            <a:r>
+              <a:rPr lang="zh-CN" altLang="en-US" b="1" dirty="0">
+                <a:solidFill>
+                  <a:schemeClr val="tx1">
+                    <a:lumMod val="75000"/>
+                    <a:lumOff val="25000"/>
+                  </a:schemeClr>
+                </a:solidFill>
+                <a:latin typeface="微软雅黑" panose="020B0503020204020204" pitchFamily="34" charset="-122"/>
+                <a:ea typeface="微软雅黑" panose="020B0503020204020204" pitchFamily="34" charset="-122"/>
+              </a:rPr>
+              <a:t>方案一：以</a:t>
+            </a:r>
+            <a:r>
+              <a:rPr lang="en-US" altLang="zh-CN" b="1" dirty="0">
+                <a:solidFill>
+                  <a:schemeClr val="tx1">
+                    <a:lumMod val="75000"/>
+                    <a:lumOff val="25000"/>
+                  </a:schemeClr>
+                </a:solidFill>
+                <a:latin typeface="微软雅黑" panose="020B0503020204020204" pitchFamily="34" charset="-122"/>
+                <a:ea typeface="微软雅黑" panose="020B0503020204020204" pitchFamily="34" charset="-122"/>
+              </a:rPr>
+              <a:t>es5</a:t>
+            </a:r>
+            <a:r>
+              <a:rPr lang="zh-CN" altLang="en-US" b="1" dirty="0">
+                <a:solidFill>
+                  <a:schemeClr val="tx1">
+                    <a:lumMod val="75000"/>
+                    <a:lumOff val="25000"/>
+                  </a:schemeClr>
+                </a:solidFill>
+                <a:latin typeface="微软雅黑" panose="020B0503020204020204" pitchFamily="34" charset="-122"/>
+                <a:ea typeface="微软雅黑" panose="020B0503020204020204" pitchFamily="34" charset="-122"/>
+              </a:rPr>
+              <a:t>语法去编写代码</a:t>
+            </a:r>
+            <a:r>
+              <a:rPr lang="en-US" altLang="zh-CN" b="1" dirty="0">
+                <a:solidFill>
+                  <a:schemeClr val="tx1">
+                    <a:lumMod val="75000"/>
+                    <a:lumOff val="25000"/>
+                  </a:schemeClr>
+                </a:solidFill>
+                <a:latin typeface="微软雅黑" panose="020B0503020204020204" pitchFamily="34" charset="-122"/>
+                <a:ea typeface="微软雅黑" panose="020B0503020204020204" pitchFamily="34" charset="-122"/>
+              </a:rPr>
+              <a:t> </a:t>
+            </a:r>
+            <a:r>
+              <a:rPr lang="zh-CN" altLang="en-US" b="1" dirty="0">
+                <a:solidFill>
+                  <a:schemeClr val="tx1">
+                    <a:lumMod val="75000"/>
+                    <a:lumOff val="25000"/>
+                  </a:schemeClr>
+                </a:solidFill>
+                <a:latin typeface="微软雅黑" panose="020B0503020204020204" pitchFamily="34" charset="-122"/>
+                <a:ea typeface="微软雅黑" panose="020B0503020204020204" pitchFamily="34" charset="-122"/>
+              </a:rPr>
+              <a:t>（推荐）</a:t>
+            </a:r>
+            <a:endParaRPr lang="en-US" altLang="zh-CN" b="1" dirty="0">
+              <a:solidFill>
+                <a:schemeClr val="tx1">
+                  <a:lumMod val="75000"/>
+                  <a:lumOff val="25000"/>
+                </a:schemeClr>
+              </a:solidFill>
+              <a:latin typeface="微软雅黑" panose="020B0503020204020204" pitchFamily="34" charset="-122"/>
+              <a:ea typeface="微软雅黑" panose="020B0503020204020204" pitchFamily="34" charset="-122"/>
+            </a:endParaRPr>
+          </a:p>
+          <a:p>
+            <a:pPr algn="just" defTabSz="914377">
+              <a:lnSpc>
+                <a:spcPts val="2000"/>
+              </a:lnSpc>
+              <a:buClr>
+                <a:srgbClr val="0070C0"/>
+              </a:buClr>
+              <a:defRPr/>
+            </a:pPr>
+            <a:endParaRPr lang="en-US" altLang="zh-CN" b="1" dirty="0">
+              <a:solidFill>
+                <a:schemeClr val="tx1">
+                  <a:lumMod val="75000"/>
+                  <a:lumOff val="25000"/>
+                </a:schemeClr>
+              </a:solidFill>
+              <a:latin typeface="微软雅黑" panose="020B0503020204020204" pitchFamily="34" charset="-122"/>
+              <a:ea typeface="微软雅黑" panose="020B0503020204020204" pitchFamily="34" charset="-122"/>
+            </a:endParaRPr>
+          </a:p>
+          <a:p>
+            <a:pPr algn="just" defTabSz="914377">
+              <a:lnSpc>
+                <a:spcPts val="2000"/>
+              </a:lnSpc>
+              <a:buClr>
+                <a:srgbClr val="0070C0"/>
+              </a:buClr>
+              <a:defRPr/>
+            </a:pPr>
+            <a:r>
+              <a:rPr lang="en-US" altLang="zh-CN" b="1" dirty="0">
+                <a:solidFill>
+                  <a:schemeClr val="tx1">
+                    <a:lumMod val="75000"/>
+                    <a:lumOff val="25000"/>
+                  </a:schemeClr>
+                </a:solidFill>
+                <a:latin typeface="微软雅黑" panose="020B0503020204020204" pitchFamily="34" charset="-122"/>
+                <a:ea typeface="微软雅黑" panose="020B0503020204020204" pitchFamily="34" charset="-122"/>
+              </a:rPr>
+              <a:t>       </a:t>
+            </a:r>
+            <a:r>
+              <a:rPr lang="zh-CN" altLang="en-US" b="1" dirty="0">
+                <a:solidFill>
+                  <a:schemeClr val="tx1">
+                    <a:lumMod val="75000"/>
+                    <a:lumOff val="25000"/>
+                  </a:schemeClr>
+                </a:solidFill>
+                <a:latin typeface="微软雅黑" panose="020B0503020204020204" pitchFamily="34" charset="-122"/>
+                <a:ea typeface="微软雅黑" panose="020B0503020204020204" pitchFamily="34" charset="-122"/>
+              </a:rPr>
+              <a:t>方案二：使用</a:t>
+            </a:r>
+            <a:r>
+              <a:rPr lang="en-US" altLang="zh-CN" b="1" dirty="0">
+                <a:solidFill>
+                  <a:schemeClr val="tx1">
+                    <a:lumMod val="75000"/>
+                    <a:lumOff val="25000"/>
+                  </a:schemeClr>
+                </a:solidFill>
+                <a:latin typeface="微软雅黑" panose="020B0503020204020204" pitchFamily="34" charset="-122"/>
+                <a:ea typeface="微软雅黑" panose="020B0503020204020204" pitchFamily="34" charset="-122"/>
+              </a:rPr>
+              <a:t>babel</a:t>
+            </a:r>
+            <a:r>
+              <a:rPr lang="zh-CN" altLang="en-US" b="1" dirty="0">
+                <a:solidFill>
+                  <a:schemeClr val="tx1">
+                    <a:lumMod val="75000"/>
+                    <a:lumOff val="25000"/>
+                  </a:schemeClr>
+                </a:solidFill>
+                <a:latin typeface="微软雅黑" panose="020B0503020204020204" pitchFamily="34" charset="-122"/>
+                <a:ea typeface="微软雅黑" panose="020B0503020204020204" pitchFamily="34" charset="-122"/>
+              </a:rPr>
+              <a:t>工具编译，官网</a:t>
+            </a:r>
+            <a:endParaRPr lang="en-US" altLang="zh-CN" b="1" dirty="0">
+              <a:solidFill>
+                <a:schemeClr val="tx1">
+                  <a:lumMod val="75000"/>
+                  <a:lumOff val="25000"/>
+                </a:schemeClr>
+              </a:solidFill>
+              <a:latin typeface="微软雅黑" panose="020B0503020204020204" pitchFamily="34" charset="-122"/>
+              <a:ea typeface="微软雅黑" panose="020B0503020204020204" pitchFamily="34" charset="-122"/>
+            </a:endParaRPr>
+          </a:p>
+        </p:txBody>
+      </p:sp>
+      <p:sp>
+        <p:nvSpPr>
+          <p:cNvPr id="4" name="文本框 3">
+            <a:extLst>
+              <a:ext uri="{FF2B5EF4-FFF2-40B4-BE49-F238E27FC236}">
+                <a16:creationId xmlns:a16="http://schemas.microsoft.com/office/drawing/2014/main" id="{B6211EB4-BA23-4395-A6FD-9F1397E8E8E6}"/>
+              </a:ext>
+            </a:extLst>
+          </p:cNvPr>
+          <p:cNvSpPr txBox="1"/>
+          <p:nvPr/>
+        </p:nvSpPr>
+        <p:spPr>
+          <a:xfrm>
+            <a:off x="10719715" y="6007631"/>
+            <a:ext cx="880369" cy="369332"/>
+          </a:xfrm>
+          <a:prstGeom prst="rect">
+            <a:avLst/>
+          </a:prstGeom>
+          <a:noFill/>
+        </p:spPr>
+        <p:txBody>
+          <a:bodyPr wrap="none" rtlCol="0">
+            <a:spAutoFit/>
+          </a:bodyPr>
+          <a:lstStyle/>
+          <a:p>
+            <a:r>
+              <a:rPr lang="en-US" altLang="zh-CN" dirty="0"/>
+              <a:t>10</a:t>
+            </a:r>
+            <a:r>
+              <a:rPr lang="zh-CN" altLang="en-US" dirty="0"/>
+              <a:t>分钟</a:t>
+            </a:r>
+            <a:endParaRPr lang="en-US" dirty="0"/>
+          </a:p>
+        </p:txBody>
+      </p:sp>
+    </p:spTree>
+    <p:extLst>
+      <p:ext uri="{BB962C8B-B14F-4D97-AF65-F5344CB8AC3E}">
+        <p14:creationId xmlns:p14="http://schemas.microsoft.com/office/powerpoint/2010/main" val="1931960810"/>
+      </p:ext>
+    </p:extLst>
+  </p:cSld>
+  <p:clrMapOvr>
+    <a:masterClrMapping/>
+  </p:clrMapOvr>
+</p:sld>
+</file>
+
+<file path=ppt/slides/slide8.xml><?xml version="1.0" encoding="utf-8"?>
+<p:sld xmlns:a="http://schemas.openxmlformats.org/drawingml/2006/main" xmlns:r="http://schemas.openxmlformats.org/officeDocument/2006/relationships" xmlns:p="http://schemas.openxmlformats.org/presentationml/2006/main">
+  <p:cSld>
+    <p:spTree>
+      <p:nvGrpSpPr>
+        <p:cNvPr id="1" name=""/>
+        <p:cNvGrpSpPr/>
+        <p:nvPr/>
+      </p:nvGrpSpPr>
+      <p:grpSpPr>
+        <a:xfrm>
+          <a:off x="0" y="0"/>
+          <a:ext cx="0" cy="0"/>
+          <a:chOff x="0" y="0"/>
+          <a:chExt cx="0" cy="0"/>
+        </a:xfrm>
+      </p:grpSpPr>
+      <p:sp>
+        <p:nvSpPr>
+          <p:cNvPr id="2" name="标题 1">
+            <a:extLst>
+              <a:ext uri="{FF2B5EF4-FFF2-40B4-BE49-F238E27FC236}">
+                <a16:creationId xmlns:a16="http://schemas.microsoft.com/office/drawing/2014/main" id="{2C81DDAA-EE31-443E-95A7-AE23973EB081}"/>
+              </a:ext>
+            </a:extLst>
+          </p:cNvPr>
+          <p:cNvSpPr>
+            <a:spLocks noGrp="1"/>
+          </p:cNvSpPr>
+          <p:nvPr>
+            <p:ph type="title"/>
+          </p:nvPr>
+        </p:nvSpPr>
+        <p:spPr/>
+        <p:txBody>
+          <a:bodyPr>
+            <a:normAutofit fontScale="90000"/>
+          </a:bodyPr>
+          <a:lstStyle/>
+          <a:p>
+            <a:r>
+              <a:rPr lang="zh-CN" altLang="en-US" dirty="0">
+                <a:solidFill>
+                  <a:schemeClr val="tx1">
+                    <a:lumMod val="75000"/>
+                    <a:lumOff val="25000"/>
+                  </a:schemeClr>
+                </a:solidFill>
+                <a:latin typeface="微软雅黑" panose="020B0503020204020204" pitchFamily="34" charset="-122"/>
+              </a:rPr>
+              <a:t>单表页面</a:t>
+            </a:r>
+            <a:r>
+              <a:rPr lang="en-US" altLang="zh-CN" dirty="0">
+                <a:solidFill>
+                  <a:schemeClr val="tx1">
+                    <a:lumMod val="75000"/>
+                    <a:lumOff val="25000"/>
+                  </a:schemeClr>
+                </a:solidFill>
+                <a:latin typeface="微软雅黑" panose="020B0503020204020204" pitchFamily="34" charset="-122"/>
+              </a:rPr>
+              <a:t>demo</a:t>
+            </a:r>
+            <a:r>
+              <a:rPr lang="zh-CN" altLang="en-US" dirty="0">
+                <a:solidFill>
+                  <a:schemeClr val="tx1">
+                    <a:lumMod val="75000"/>
+                    <a:lumOff val="25000"/>
+                  </a:schemeClr>
+                </a:solidFill>
+                <a:latin typeface="微软雅黑" panose="020B0503020204020204" pitchFamily="34" charset="-122"/>
+              </a:rPr>
+              <a:t> </a:t>
+            </a:r>
+            <a:endParaRPr lang="en-US" dirty="0"/>
+          </a:p>
+        </p:txBody>
+      </p:sp>
+      <p:sp>
+        <p:nvSpPr>
+          <p:cNvPr id="3" name="文本框 2">
+            <a:extLst>
+              <a:ext uri="{FF2B5EF4-FFF2-40B4-BE49-F238E27FC236}">
+                <a16:creationId xmlns:a16="http://schemas.microsoft.com/office/drawing/2014/main" id="{0051E42F-4141-4C46-AD8E-10580F6C0D5E}"/>
+              </a:ext>
+            </a:extLst>
+          </p:cNvPr>
+          <p:cNvSpPr txBox="1"/>
+          <p:nvPr/>
+        </p:nvSpPr>
+        <p:spPr>
+          <a:xfrm>
+            <a:off x="914399" y="1343892"/>
+            <a:ext cx="10363201" cy="4708981"/>
+          </a:xfrm>
+          <a:prstGeom prst="rect">
+            <a:avLst/>
+          </a:prstGeom>
+          <a:noFill/>
+        </p:spPr>
+        <p:txBody>
+          <a:bodyPr wrap="square" rtlCol="0">
+            <a:spAutoFit/>
+          </a:bodyPr>
+          <a:lstStyle/>
+          <a:p>
+            <a:pPr algn="just" defTabSz="914377">
+              <a:lnSpc>
+                <a:spcPts val="2000"/>
+              </a:lnSpc>
+              <a:buClr>
+                <a:srgbClr val="0070C0"/>
+              </a:buClr>
+              <a:defRPr/>
+            </a:pPr>
+            <a:r>
+              <a:rPr lang="zh-CN" altLang="en-US" b="1" dirty="0">
+                <a:solidFill>
+                  <a:schemeClr val="tx1">
+                    <a:lumMod val="75000"/>
+                    <a:lumOff val="25000"/>
+                  </a:schemeClr>
+                </a:solidFill>
+                <a:latin typeface="微软雅黑" panose="020B0503020204020204" pitchFamily="34" charset="-122"/>
+                <a:ea typeface="微软雅黑" panose="020B0503020204020204" pitchFamily="34" charset="-122"/>
+              </a:rPr>
+              <a:t>第一步： 引入</a:t>
+            </a:r>
+            <a:r>
+              <a:rPr lang="en-US" altLang="zh-CN" b="1" dirty="0" err="1">
+                <a:solidFill>
+                  <a:schemeClr val="tx1">
+                    <a:lumMod val="75000"/>
+                    <a:lumOff val="25000"/>
+                  </a:schemeClr>
+                </a:solidFill>
+                <a:latin typeface="微软雅黑" panose="020B0503020204020204" pitchFamily="34" charset="-122"/>
+                <a:ea typeface="微软雅黑" panose="020B0503020204020204" pitchFamily="34" charset="-122"/>
+              </a:rPr>
+              <a:t>vuejs</a:t>
+            </a:r>
+            <a:r>
+              <a:rPr lang="zh-CN" altLang="en-US" b="1" dirty="0">
+                <a:solidFill>
+                  <a:schemeClr val="tx1">
+                    <a:lumMod val="75000"/>
+                    <a:lumOff val="25000"/>
+                  </a:schemeClr>
+                </a:solidFill>
+                <a:latin typeface="微软雅黑" panose="020B0503020204020204" pitchFamily="34" charset="-122"/>
+                <a:ea typeface="微软雅黑" panose="020B0503020204020204" pitchFamily="34" charset="-122"/>
+              </a:rPr>
+              <a:t>、</a:t>
+            </a:r>
+            <a:r>
+              <a:rPr lang="en-US" altLang="zh-CN" b="1" dirty="0">
+                <a:solidFill>
+                  <a:schemeClr val="tx1">
+                    <a:lumMod val="75000"/>
+                    <a:lumOff val="25000"/>
+                  </a:schemeClr>
+                </a:solidFill>
+                <a:latin typeface="微软雅黑" panose="020B0503020204020204" pitchFamily="34" charset="-122"/>
+                <a:ea typeface="微软雅黑" panose="020B0503020204020204" pitchFamily="34" charset="-122"/>
+              </a:rPr>
+              <a:t>element</a:t>
+            </a:r>
+            <a:r>
+              <a:rPr lang="zh-CN" altLang="en-US" b="1" dirty="0">
+                <a:solidFill>
+                  <a:schemeClr val="tx1">
+                    <a:lumMod val="75000"/>
+                    <a:lumOff val="25000"/>
+                  </a:schemeClr>
+                </a:solidFill>
+                <a:latin typeface="微软雅黑" panose="020B0503020204020204" pitchFamily="34" charset="-122"/>
+                <a:ea typeface="微软雅黑" panose="020B0503020204020204" pitchFamily="34" charset="-122"/>
+              </a:rPr>
+              <a:t>框架</a:t>
+            </a:r>
+            <a:endParaRPr lang="en-US" altLang="zh-CN" b="1" dirty="0">
+              <a:solidFill>
+                <a:schemeClr val="tx1">
+                  <a:lumMod val="75000"/>
+                  <a:lumOff val="25000"/>
+                </a:schemeClr>
+              </a:solidFill>
+              <a:latin typeface="微软雅黑" panose="020B0503020204020204" pitchFamily="34" charset="-122"/>
+              <a:ea typeface="微软雅黑" panose="020B0503020204020204" pitchFamily="34" charset="-122"/>
+            </a:endParaRPr>
+          </a:p>
+          <a:p>
+            <a:pPr algn="just" defTabSz="914377">
+              <a:lnSpc>
+                <a:spcPts val="2000"/>
+              </a:lnSpc>
+              <a:buClr>
+                <a:srgbClr val="0070C0"/>
+              </a:buClr>
+              <a:defRPr/>
+            </a:pPr>
+            <a:endParaRPr lang="en-US" b="1" dirty="0">
+              <a:solidFill>
+                <a:schemeClr val="tx1">
+                  <a:lumMod val="75000"/>
+                  <a:lumOff val="25000"/>
+                </a:schemeClr>
+              </a:solidFill>
+              <a:latin typeface="微软雅黑" panose="020B0503020204020204" pitchFamily="34" charset="-122"/>
+              <a:ea typeface="微软雅黑" panose="020B0503020204020204" pitchFamily="34" charset="-122"/>
+            </a:endParaRPr>
+          </a:p>
+          <a:p>
+            <a:pPr algn="just" defTabSz="914377">
+              <a:lnSpc>
+                <a:spcPts val="2000"/>
+              </a:lnSpc>
+              <a:buClr>
+                <a:srgbClr val="0070C0"/>
+              </a:buClr>
+              <a:defRPr/>
+            </a:pPr>
+            <a:r>
+              <a:rPr lang="zh-CN" altLang="en-US" b="1" dirty="0">
+                <a:solidFill>
+                  <a:schemeClr val="tx1">
+                    <a:lumMod val="75000"/>
+                    <a:lumOff val="25000"/>
+                  </a:schemeClr>
+                </a:solidFill>
+                <a:latin typeface="微软雅黑" panose="020B0503020204020204" pitchFamily="34" charset="-122"/>
+                <a:ea typeface="微软雅黑" panose="020B0503020204020204" pitchFamily="34" charset="-122"/>
+              </a:rPr>
+              <a:t>第二步：实现</a:t>
+            </a:r>
+            <a:r>
+              <a:rPr lang="en-US" altLang="zh-CN" b="1" dirty="0">
+                <a:solidFill>
+                  <a:schemeClr val="tx1">
+                    <a:lumMod val="75000"/>
+                    <a:lumOff val="25000"/>
+                  </a:schemeClr>
+                </a:solidFill>
+                <a:latin typeface="微软雅黑" panose="020B0503020204020204" pitchFamily="34" charset="-122"/>
+                <a:ea typeface="微软雅黑" panose="020B0503020204020204" pitchFamily="34" charset="-122"/>
+              </a:rPr>
+              <a:t>new Vue() </a:t>
+            </a:r>
+            <a:r>
+              <a:rPr lang="zh-CN" altLang="en-US" b="1" dirty="0">
+                <a:solidFill>
+                  <a:schemeClr val="tx1">
+                    <a:lumMod val="75000"/>
+                    <a:lumOff val="25000"/>
+                  </a:schemeClr>
+                </a:solidFill>
+                <a:latin typeface="微软雅黑" panose="020B0503020204020204" pitchFamily="34" charset="-122"/>
+                <a:ea typeface="微软雅黑" panose="020B0503020204020204" pitchFamily="34" charset="-122"/>
+              </a:rPr>
+              <a:t>函数</a:t>
+            </a:r>
+            <a:endParaRPr lang="en-US" altLang="zh-CN" b="1" dirty="0">
+              <a:solidFill>
+                <a:schemeClr val="tx1">
+                  <a:lumMod val="75000"/>
+                  <a:lumOff val="25000"/>
+                </a:schemeClr>
+              </a:solidFill>
+              <a:latin typeface="微软雅黑" panose="020B0503020204020204" pitchFamily="34" charset="-122"/>
+              <a:ea typeface="微软雅黑" panose="020B0503020204020204" pitchFamily="34" charset="-122"/>
+            </a:endParaRPr>
+          </a:p>
+          <a:p>
+            <a:pPr algn="just" defTabSz="914377">
+              <a:lnSpc>
+                <a:spcPts val="2000"/>
+              </a:lnSpc>
+              <a:buClr>
+                <a:srgbClr val="0070C0"/>
+              </a:buClr>
+              <a:defRPr/>
+            </a:pPr>
+            <a:endParaRPr lang="en-US" b="1" dirty="0">
+              <a:solidFill>
+                <a:schemeClr val="tx1">
+                  <a:lumMod val="75000"/>
+                  <a:lumOff val="25000"/>
+                </a:schemeClr>
+              </a:solidFill>
+              <a:latin typeface="微软雅黑" panose="020B0503020204020204" pitchFamily="34" charset="-122"/>
+              <a:ea typeface="微软雅黑" panose="020B0503020204020204" pitchFamily="34" charset="-122"/>
+            </a:endParaRPr>
+          </a:p>
+          <a:p>
+            <a:pPr algn="just" defTabSz="914377">
+              <a:lnSpc>
+                <a:spcPts val="2000"/>
+              </a:lnSpc>
+              <a:buClr>
+                <a:srgbClr val="0070C0"/>
+              </a:buClr>
+              <a:defRPr/>
+            </a:pPr>
+            <a:r>
+              <a:rPr lang="zh-CN" altLang="en-US" b="1" dirty="0">
+                <a:solidFill>
+                  <a:schemeClr val="tx1">
+                    <a:lumMod val="75000"/>
+                    <a:lumOff val="25000"/>
+                  </a:schemeClr>
+                </a:solidFill>
+                <a:latin typeface="微软雅黑" panose="020B0503020204020204" pitchFamily="34" charset="-122"/>
+                <a:ea typeface="微软雅黑" panose="020B0503020204020204" pitchFamily="34" charset="-122"/>
+              </a:rPr>
+              <a:t>第三步：查询表单的呈现与数据绑定</a:t>
+            </a:r>
+            <a:endParaRPr lang="en-US" altLang="zh-CN" b="1" dirty="0">
+              <a:solidFill>
+                <a:schemeClr val="tx1">
+                  <a:lumMod val="75000"/>
+                  <a:lumOff val="25000"/>
+                </a:schemeClr>
+              </a:solidFill>
+              <a:latin typeface="微软雅黑" panose="020B0503020204020204" pitchFamily="34" charset="-122"/>
+              <a:ea typeface="微软雅黑" panose="020B0503020204020204" pitchFamily="34" charset="-122"/>
+            </a:endParaRPr>
+          </a:p>
+          <a:p>
+            <a:pPr algn="just" defTabSz="914377">
+              <a:lnSpc>
+                <a:spcPts val="2000"/>
+              </a:lnSpc>
+              <a:buClr>
+                <a:srgbClr val="0070C0"/>
+              </a:buClr>
+              <a:defRPr/>
+            </a:pPr>
+            <a:endParaRPr lang="en-US" b="1" dirty="0">
+              <a:solidFill>
+                <a:schemeClr val="tx1">
+                  <a:lumMod val="75000"/>
+                  <a:lumOff val="25000"/>
+                </a:schemeClr>
+              </a:solidFill>
+              <a:latin typeface="微软雅黑" panose="020B0503020204020204" pitchFamily="34" charset="-122"/>
+              <a:ea typeface="微软雅黑" panose="020B0503020204020204" pitchFamily="34" charset="-122"/>
+            </a:endParaRPr>
+          </a:p>
+          <a:p>
+            <a:pPr algn="just" defTabSz="914377">
+              <a:lnSpc>
+                <a:spcPts val="2000"/>
+              </a:lnSpc>
+              <a:buClr>
+                <a:srgbClr val="0070C0"/>
+              </a:buClr>
+              <a:defRPr/>
+            </a:pPr>
+            <a:r>
+              <a:rPr lang="zh-CN" altLang="en-US" b="1" dirty="0">
+                <a:solidFill>
+                  <a:schemeClr val="tx1">
+                    <a:lumMod val="75000"/>
+                    <a:lumOff val="25000"/>
+                  </a:schemeClr>
+                </a:solidFill>
+                <a:latin typeface="微软雅黑" panose="020B0503020204020204" pitchFamily="34" charset="-122"/>
+                <a:ea typeface="微软雅黑" panose="020B0503020204020204" pitchFamily="34" charset="-122"/>
+              </a:rPr>
+              <a:t>第四步：</a:t>
+            </a:r>
+            <a:r>
+              <a:rPr lang="en-US" altLang="zh-CN" b="1" dirty="0">
+                <a:solidFill>
+                  <a:schemeClr val="tx1">
+                    <a:lumMod val="75000"/>
+                    <a:lumOff val="25000"/>
+                  </a:schemeClr>
+                </a:solidFill>
+                <a:latin typeface="微软雅黑" panose="020B0503020204020204" pitchFamily="34" charset="-122"/>
+                <a:ea typeface="微软雅黑" panose="020B0503020204020204" pitchFamily="34" charset="-122"/>
+              </a:rPr>
+              <a:t>【</a:t>
+            </a:r>
+            <a:r>
+              <a:rPr lang="zh-CN" altLang="en-US" b="1" dirty="0">
+                <a:solidFill>
+                  <a:schemeClr val="tx1">
+                    <a:lumMod val="75000"/>
+                    <a:lumOff val="25000"/>
+                  </a:schemeClr>
+                </a:solidFill>
+                <a:latin typeface="微软雅黑" panose="020B0503020204020204" pitchFamily="34" charset="-122"/>
+                <a:ea typeface="微软雅黑" panose="020B0503020204020204" pitchFamily="34" charset="-122"/>
+              </a:rPr>
+              <a:t>查询</a:t>
+            </a:r>
+            <a:r>
+              <a:rPr lang="en-US" altLang="zh-CN" b="1" dirty="0">
+                <a:solidFill>
+                  <a:schemeClr val="tx1">
+                    <a:lumMod val="75000"/>
+                    <a:lumOff val="25000"/>
+                  </a:schemeClr>
+                </a:solidFill>
+                <a:latin typeface="微软雅黑" panose="020B0503020204020204" pitchFamily="34" charset="-122"/>
+                <a:ea typeface="微软雅黑" panose="020B0503020204020204" pitchFamily="34" charset="-122"/>
+              </a:rPr>
+              <a:t>】</a:t>
+            </a:r>
+            <a:r>
+              <a:rPr lang="zh-CN" altLang="en-US" b="1" dirty="0">
+                <a:solidFill>
+                  <a:schemeClr val="tx1">
+                    <a:lumMod val="75000"/>
+                    <a:lumOff val="25000"/>
+                  </a:schemeClr>
+                </a:solidFill>
+                <a:latin typeface="微软雅黑" panose="020B0503020204020204" pitchFamily="34" charset="-122"/>
+                <a:ea typeface="微软雅黑" panose="020B0503020204020204" pitchFamily="34" charset="-122"/>
+              </a:rPr>
+              <a:t>方法功能实现</a:t>
+            </a:r>
+            <a:endParaRPr lang="en-US" altLang="zh-CN" b="1" dirty="0">
+              <a:solidFill>
+                <a:schemeClr val="tx1">
+                  <a:lumMod val="75000"/>
+                  <a:lumOff val="25000"/>
+                </a:schemeClr>
+              </a:solidFill>
+              <a:latin typeface="微软雅黑" panose="020B0503020204020204" pitchFamily="34" charset="-122"/>
+              <a:ea typeface="微软雅黑" panose="020B0503020204020204" pitchFamily="34" charset="-122"/>
+            </a:endParaRPr>
+          </a:p>
+          <a:p>
+            <a:pPr algn="just" defTabSz="914377">
+              <a:lnSpc>
+                <a:spcPts val="2000"/>
+              </a:lnSpc>
+              <a:buClr>
+                <a:srgbClr val="0070C0"/>
+              </a:buClr>
+              <a:defRPr/>
+            </a:pPr>
+            <a:endParaRPr lang="en-US" b="1" dirty="0">
+              <a:solidFill>
+                <a:schemeClr val="tx1">
+                  <a:lumMod val="75000"/>
+                  <a:lumOff val="25000"/>
+                </a:schemeClr>
+              </a:solidFill>
+              <a:latin typeface="微软雅黑" panose="020B0503020204020204" pitchFamily="34" charset="-122"/>
+              <a:ea typeface="微软雅黑" panose="020B0503020204020204" pitchFamily="34" charset="-122"/>
+            </a:endParaRPr>
+          </a:p>
+          <a:p>
+            <a:pPr algn="just" defTabSz="914377">
+              <a:lnSpc>
+                <a:spcPts val="2000"/>
+              </a:lnSpc>
+              <a:buClr>
+                <a:srgbClr val="0070C0"/>
+              </a:buClr>
+              <a:defRPr/>
+            </a:pPr>
+            <a:r>
+              <a:rPr lang="zh-CN" altLang="en-US" b="1" dirty="0">
+                <a:solidFill>
+                  <a:schemeClr val="tx1">
+                    <a:lumMod val="75000"/>
+                    <a:lumOff val="25000"/>
+                  </a:schemeClr>
+                </a:solidFill>
+                <a:latin typeface="微软雅黑" panose="020B0503020204020204" pitchFamily="34" charset="-122"/>
+                <a:ea typeface="微软雅黑" panose="020B0503020204020204" pitchFamily="34" charset="-122"/>
+              </a:rPr>
+              <a:t>第五步：表格呈现与数据绑定</a:t>
+            </a:r>
+            <a:endParaRPr lang="en-US" altLang="zh-CN" b="1" dirty="0">
+              <a:solidFill>
+                <a:schemeClr val="tx1">
+                  <a:lumMod val="75000"/>
+                  <a:lumOff val="25000"/>
+                </a:schemeClr>
+              </a:solidFill>
+              <a:latin typeface="微软雅黑" panose="020B0503020204020204" pitchFamily="34" charset="-122"/>
+              <a:ea typeface="微软雅黑" panose="020B0503020204020204" pitchFamily="34" charset="-122"/>
+            </a:endParaRPr>
+          </a:p>
+          <a:p>
+            <a:pPr algn="just" defTabSz="914377">
+              <a:lnSpc>
+                <a:spcPts val="2000"/>
+              </a:lnSpc>
+              <a:buClr>
+                <a:srgbClr val="0070C0"/>
+              </a:buClr>
+              <a:defRPr/>
+            </a:pPr>
+            <a:endParaRPr lang="en-US" b="1" dirty="0">
+              <a:solidFill>
+                <a:schemeClr val="tx1">
+                  <a:lumMod val="75000"/>
+                  <a:lumOff val="25000"/>
+                </a:schemeClr>
+              </a:solidFill>
+              <a:latin typeface="微软雅黑" panose="020B0503020204020204" pitchFamily="34" charset="-122"/>
+              <a:ea typeface="微软雅黑" panose="020B0503020204020204" pitchFamily="34" charset="-122"/>
+            </a:endParaRPr>
+          </a:p>
+          <a:p>
+            <a:pPr algn="just" defTabSz="914377">
+              <a:lnSpc>
+                <a:spcPts val="2000"/>
+              </a:lnSpc>
+              <a:buClr>
+                <a:srgbClr val="0070C0"/>
+              </a:buClr>
+              <a:defRPr/>
+            </a:pPr>
+            <a:r>
+              <a:rPr lang="zh-CN" altLang="en-US" b="1" dirty="0">
+                <a:solidFill>
+                  <a:schemeClr val="tx1">
+                    <a:lumMod val="75000"/>
+                    <a:lumOff val="25000"/>
+                  </a:schemeClr>
+                </a:solidFill>
+                <a:latin typeface="微软雅黑" panose="020B0503020204020204" pitchFamily="34" charset="-122"/>
+                <a:ea typeface="微软雅黑" panose="020B0503020204020204" pitchFamily="34" charset="-122"/>
+              </a:rPr>
+              <a:t>第六步：分页操作</a:t>
+            </a:r>
+            <a:endParaRPr lang="en-US" altLang="zh-CN" b="1" dirty="0">
+              <a:solidFill>
+                <a:schemeClr val="tx1">
+                  <a:lumMod val="75000"/>
+                  <a:lumOff val="25000"/>
+                </a:schemeClr>
+              </a:solidFill>
+              <a:latin typeface="微软雅黑" panose="020B0503020204020204" pitchFamily="34" charset="-122"/>
+              <a:ea typeface="微软雅黑" panose="020B0503020204020204" pitchFamily="34" charset="-122"/>
+            </a:endParaRPr>
+          </a:p>
+          <a:p>
+            <a:pPr algn="just" defTabSz="914377">
+              <a:lnSpc>
+                <a:spcPts val="2000"/>
+              </a:lnSpc>
+              <a:buClr>
+                <a:srgbClr val="0070C0"/>
+              </a:buClr>
+              <a:defRPr/>
+            </a:pPr>
+            <a:endParaRPr lang="en-US" b="1" dirty="0">
+              <a:solidFill>
+                <a:schemeClr val="tx1">
+                  <a:lumMod val="75000"/>
+                  <a:lumOff val="25000"/>
+                </a:schemeClr>
+              </a:solidFill>
+              <a:latin typeface="微软雅黑" panose="020B0503020204020204" pitchFamily="34" charset="-122"/>
+              <a:ea typeface="微软雅黑" panose="020B0503020204020204" pitchFamily="34" charset="-122"/>
+            </a:endParaRPr>
+          </a:p>
+          <a:p>
+            <a:pPr algn="just" defTabSz="914377">
+              <a:lnSpc>
+                <a:spcPts val="2000"/>
+              </a:lnSpc>
+              <a:buClr>
+                <a:srgbClr val="0070C0"/>
+              </a:buClr>
+              <a:defRPr/>
+            </a:pPr>
+            <a:r>
+              <a:rPr lang="zh-CN" altLang="en-US" b="1" dirty="0">
+                <a:solidFill>
+                  <a:schemeClr val="tx1">
+                    <a:lumMod val="75000"/>
+                    <a:lumOff val="25000"/>
+                  </a:schemeClr>
+                </a:solidFill>
+                <a:latin typeface="微软雅黑" panose="020B0503020204020204" pitchFamily="34" charset="-122"/>
+                <a:ea typeface="微软雅黑" panose="020B0503020204020204" pitchFamily="34" charset="-122"/>
+              </a:rPr>
+              <a:t>第七步：</a:t>
+            </a:r>
+            <a:r>
+              <a:rPr lang="en-US" altLang="zh-CN" b="1" dirty="0">
+                <a:solidFill>
+                  <a:schemeClr val="tx1">
+                    <a:lumMod val="75000"/>
+                    <a:lumOff val="25000"/>
+                  </a:schemeClr>
+                </a:solidFill>
+                <a:latin typeface="微软雅黑" panose="020B0503020204020204" pitchFamily="34" charset="-122"/>
+                <a:ea typeface="微软雅黑" panose="020B0503020204020204" pitchFamily="34" charset="-122"/>
+              </a:rPr>
+              <a:t> 【</a:t>
+            </a:r>
+            <a:r>
+              <a:rPr lang="zh-CN" altLang="en-US" b="1" dirty="0">
+                <a:solidFill>
+                  <a:schemeClr val="tx1">
+                    <a:lumMod val="75000"/>
+                    <a:lumOff val="25000"/>
+                  </a:schemeClr>
+                </a:solidFill>
+                <a:latin typeface="微软雅黑" panose="020B0503020204020204" pitchFamily="34" charset="-122"/>
+                <a:ea typeface="微软雅黑" panose="020B0503020204020204" pitchFamily="34" charset="-122"/>
+              </a:rPr>
+              <a:t>新增、修改</a:t>
+            </a:r>
+            <a:r>
+              <a:rPr lang="en-US" altLang="zh-CN" b="1" dirty="0">
+                <a:solidFill>
+                  <a:schemeClr val="tx1">
+                    <a:lumMod val="75000"/>
+                    <a:lumOff val="25000"/>
+                  </a:schemeClr>
+                </a:solidFill>
+                <a:latin typeface="微软雅黑" panose="020B0503020204020204" pitchFamily="34" charset="-122"/>
+                <a:ea typeface="微软雅黑" panose="020B0503020204020204" pitchFamily="34" charset="-122"/>
+              </a:rPr>
+              <a:t>】</a:t>
+            </a:r>
+            <a:r>
+              <a:rPr lang="zh-CN" altLang="en-US" b="1" dirty="0">
+                <a:solidFill>
+                  <a:schemeClr val="tx1">
+                    <a:lumMod val="75000"/>
+                    <a:lumOff val="25000"/>
+                  </a:schemeClr>
+                </a:solidFill>
+                <a:latin typeface="微软雅黑" panose="020B0503020204020204" pitchFamily="34" charset="-122"/>
+                <a:ea typeface="微软雅黑" panose="020B0503020204020204" pitchFamily="34" charset="-122"/>
+              </a:rPr>
+              <a:t>方法功能实现、新增修改表单的呈现与数据绑定（自定义组件）</a:t>
+            </a:r>
+            <a:endParaRPr lang="en-US" altLang="zh-CN" b="1" dirty="0">
+              <a:solidFill>
+                <a:schemeClr val="tx1">
+                  <a:lumMod val="75000"/>
+                  <a:lumOff val="25000"/>
+                </a:schemeClr>
+              </a:solidFill>
+              <a:latin typeface="微软雅黑" panose="020B0503020204020204" pitchFamily="34" charset="-122"/>
+              <a:ea typeface="微软雅黑" panose="020B0503020204020204" pitchFamily="34" charset="-122"/>
+            </a:endParaRPr>
+          </a:p>
+          <a:p>
+            <a:pPr algn="just" defTabSz="914377">
+              <a:lnSpc>
+                <a:spcPts val="2000"/>
+              </a:lnSpc>
+              <a:buClr>
+                <a:srgbClr val="0070C0"/>
+              </a:buClr>
+              <a:defRPr/>
+            </a:pPr>
+            <a:endParaRPr lang="en-US" b="1" dirty="0">
+              <a:solidFill>
+                <a:schemeClr val="tx1">
+                  <a:lumMod val="75000"/>
+                  <a:lumOff val="25000"/>
+                </a:schemeClr>
+              </a:solidFill>
+              <a:latin typeface="微软雅黑" panose="020B0503020204020204" pitchFamily="34" charset="-122"/>
+              <a:ea typeface="微软雅黑" panose="020B0503020204020204" pitchFamily="34" charset="-122"/>
+            </a:endParaRPr>
+          </a:p>
+          <a:p>
+            <a:pPr algn="just" defTabSz="914377">
+              <a:lnSpc>
+                <a:spcPts val="2000"/>
+              </a:lnSpc>
+              <a:buClr>
+                <a:srgbClr val="0070C0"/>
+              </a:buClr>
+              <a:defRPr/>
+            </a:pPr>
+            <a:endParaRPr lang="en-US" b="1" dirty="0">
+              <a:solidFill>
+                <a:schemeClr val="tx1">
+                  <a:lumMod val="75000"/>
+                  <a:lumOff val="25000"/>
+                </a:schemeClr>
+              </a:solidFill>
+              <a:latin typeface="微软雅黑" panose="020B0503020204020204" pitchFamily="34" charset="-122"/>
+              <a:ea typeface="微软雅黑" panose="020B0503020204020204" pitchFamily="34" charset="-122"/>
+            </a:endParaRPr>
+          </a:p>
+          <a:p>
+            <a:pPr algn="just" defTabSz="914377">
+              <a:lnSpc>
+                <a:spcPts val="2000"/>
+              </a:lnSpc>
+              <a:buClr>
+                <a:srgbClr val="0070C0"/>
+              </a:buClr>
+              <a:defRPr/>
+            </a:pPr>
+            <a:endParaRPr lang="en-US" b="1" dirty="0">
+              <a:solidFill>
+                <a:schemeClr val="tx1">
+                  <a:lumMod val="75000"/>
+                  <a:lumOff val="25000"/>
+                </a:schemeClr>
+              </a:solidFill>
+              <a:latin typeface="微软雅黑" panose="020B0503020204020204" pitchFamily="34" charset="-122"/>
+              <a:ea typeface="微软雅黑" panose="020B0503020204020204" pitchFamily="34" charset="-122"/>
+            </a:endParaRPr>
+          </a:p>
+          <a:p>
+            <a:pPr algn="just" defTabSz="914377">
+              <a:lnSpc>
+                <a:spcPts val="2000"/>
+              </a:lnSpc>
+              <a:buClr>
+                <a:srgbClr val="0070C0"/>
+              </a:buClr>
+              <a:defRPr/>
+            </a:pPr>
+            <a:endParaRPr lang="en-US" b="1" dirty="0">
+              <a:solidFill>
+                <a:schemeClr val="tx1">
+                  <a:lumMod val="75000"/>
+                  <a:lumOff val="25000"/>
+                </a:schemeClr>
+              </a:solidFill>
+              <a:latin typeface="微软雅黑" panose="020B0503020204020204" pitchFamily="34" charset="-122"/>
+              <a:ea typeface="微软雅黑" panose="020B0503020204020204" pitchFamily="34" charset="-122"/>
+            </a:endParaRPr>
+          </a:p>
+          <a:p>
+            <a:pPr algn="just" defTabSz="914377">
+              <a:lnSpc>
+                <a:spcPts val="2000"/>
+              </a:lnSpc>
+              <a:buClr>
+                <a:srgbClr val="0070C0"/>
+              </a:buClr>
+              <a:defRPr/>
+            </a:pPr>
+            <a:r>
+              <a:rPr lang="zh-CN" altLang="en-US" b="1" dirty="0">
+                <a:solidFill>
+                  <a:schemeClr val="tx1">
+                    <a:lumMod val="75000"/>
+                    <a:lumOff val="25000"/>
+                  </a:schemeClr>
+                </a:solidFill>
+                <a:latin typeface="微软雅黑" panose="020B0503020204020204" pitchFamily="34" charset="-122"/>
+                <a:ea typeface="微软雅黑" panose="020B0503020204020204" pitchFamily="34" charset="-122"/>
+              </a:rPr>
+              <a:t>练习：编写页面查询表单，表单包涵输入框，下拉框，数值框</a:t>
+            </a:r>
+            <a:endParaRPr lang="en-US" b="1" dirty="0">
+              <a:solidFill>
+                <a:schemeClr val="tx1">
+                  <a:lumMod val="75000"/>
+                  <a:lumOff val="25000"/>
+                </a:schemeClr>
+              </a:solidFill>
+              <a:latin typeface="微软雅黑" panose="020B0503020204020204" pitchFamily="34" charset="-122"/>
+              <a:ea typeface="微软雅黑" panose="020B0503020204020204" pitchFamily="34" charset="-122"/>
+            </a:endParaRPr>
+          </a:p>
+        </p:txBody>
+      </p:sp>
+      <p:sp>
+        <p:nvSpPr>
+          <p:cNvPr id="4" name="文本框 3">
+            <a:extLst>
+              <a:ext uri="{FF2B5EF4-FFF2-40B4-BE49-F238E27FC236}">
+                <a16:creationId xmlns:a16="http://schemas.microsoft.com/office/drawing/2014/main" id="{B7FE6E65-6E37-4E38-87AB-50A48EDF83E9}"/>
+              </a:ext>
+            </a:extLst>
+          </p:cNvPr>
+          <p:cNvSpPr txBox="1"/>
+          <p:nvPr/>
+        </p:nvSpPr>
+        <p:spPr>
+          <a:xfrm>
+            <a:off x="10719715" y="6007631"/>
+            <a:ext cx="880369" cy="369332"/>
+          </a:xfrm>
+          <a:prstGeom prst="rect">
+            <a:avLst/>
+          </a:prstGeom>
+          <a:noFill/>
+        </p:spPr>
+        <p:txBody>
+          <a:bodyPr wrap="none" rtlCol="0">
+            <a:spAutoFit/>
+          </a:bodyPr>
+          <a:lstStyle/>
+          <a:p>
+            <a:r>
+              <a:rPr lang="en-US" altLang="zh-CN" dirty="0"/>
+              <a:t>30</a:t>
+            </a:r>
+            <a:r>
+              <a:rPr lang="zh-CN" altLang="en-US" dirty="0"/>
+              <a:t>分钟</a:t>
+            </a:r>
+            <a:endParaRPr lang="en-US" dirty="0"/>
+          </a:p>
+        </p:txBody>
+      </p:sp>
+    </p:spTree>
+    <p:extLst>
+      <p:ext uri="{BB962C8B-B14F-4D97-AF65-F5344CB8AC3E}">
+        <p14:creationId xmlns:p14="http://schemas.microsoft.com/office/powerpoint/2010/main" val="1541174955"/>
+      </p:ext>
+    </p:extLst>
+  </p:cSld>
+  <p:clrMapOvr>
+    <a:masterClrMapping/>
+  </p:clrMapOvr>
+</p:sld>
+</file>
+
+<file path=ppt/slides/slide9.xml><?xml version="1.0" encoding="utf-8"?>
 <p:sld xmlns:a="http://schemas.openxmlformats.org/drawingml/2006/main" xmlns:r="http://schemas.openxmlformats.org/officeDocument/2006/relationships" xmlns:p="http://schemas.openxmlformats.org/presentationml/2006/main">
   <p:cSld>
     <p:spTree>
